--- a/media/Master's thesis-4.pptx
+++ b/media/Master's thesis-4.pptx
@@ -387,7 +387,7 @@
             <a:fld id="{8D49A9A6-EEBE-4A10-B375-E3DE23A9130F}" type="datetimeFigureOut">
               <a:rPr lang="en-US" altLang="en-US"/>
               <a:pPr/>
-              <a:t>1/29/2015</a:t>
+              <a:t>2/10/2015</a:t>
             </a:fld>
             <a:endParaRPr lang="en-US" altLang="en-US"/>
           </a:p>
@@ -7215,7 +7215,7 @@
         <p:spPr>
           <a:xfrm>
             <a:off x="342900" y="788987"/>
-            <a:ext cx="8458200" cy="1470025"/>
+            <a:ext cx="8801100" cy="1470025"/>
           </a:xfrm>
         </p:spPr>
         <p:txBody>
@@ -7225,8 +7225,20 @@
           <a:lstStyle/>
           <a:p>
             <a:r>
+              <a:rPr lang="en-US" dirty="0" err="1" smtClean="0"/>
+              <a:t>RésuMatcher</a:t>
+            </a:r>
+            <a:r>
+              <a:rPr lang="en-US" dirty="0" smtClean="0"/>
+              <a:t> </a:t>
+            </a:r>
+            <a:r>
               <a:rPr lang="en-US" dirty="0"/>
-              <a:t>JOBFINDER: A PERSONALIZED RÉ</a:t>
+              <a:t>: </a:t>
+            </a:r>
+            <a:r>
+              <a:rPr lang="en-US" dirty="0"/>
+              <a:t>A PERSONALIZED RÉ</a:t>
             </a:r>
             <a:r>
               <a:rPr lang="en-US" altLang="zh-CN" dirty="0"/>
@@ -18990,11 +19002,7 @@
             </a:pPr>
             <a:r>
               <a:rPr lang="en-US" dirty="0" smtClean="0"/>
-              <a:t>E.g.: </a:t>
-            </a:r>
-            <a:r>
-              <a:rPr lang="en-US" dirty="0" smtClean="0"/>
-              <a:t>majors</a:t>
+              <a:t>E.g.: majors</a:t>
             </a:r>
             <a:endParaRPr lang="en-US" dirty="0"/>
           </a:p>

--- a/media/Master's thesis-4.pptx
+++ b/media/Master's thesis-4.pptx
@@ -5,10 +5,10 @@
     <p:sldMasterId id="2147483648" r:id="rId1"/>
   </p:sldMasterIdLst>
   <p:notesMasterIdLst>
-    <p:notesMasterId r:id="rId89"/>
+    <p:notesMasterId r:id="rId87"/>
   </p:notesMasterIdLst>
   <p:handoutMasterIdLst>
-    <p:handoutMasterId r:id="rId90"/>
+    <p:handoutMasterId r:id="rId88"/>
   </p:handoutMasterIdLst>
   <p:sldIdLst>
     <p:sldId id="258" r:id="rId2"/>
@@ -53,54 +53,52 @@
     <p:sldId id="333" r:id="rId41"/>
     <p:sldId id="384" r:id="rId42"/>
     <p:sldId id="373" r:id="rId43"/>
-    <p:sldId id="387" r:id="rId44"/>
-    <p:sldId id="303" r:id="rId45"/>
-    <p:sldId id="386" r:id="rId46"/>
-    <p:sldId id="305" r:id="rId47"/>
-    <p:sldId id="332" r:id="rId48"/>
-    <p:sldId id="306" r:id="rId49"/>
-    <p:sldId id="335" r:id="rId50"/>
-    <p:sldId id="375" r:id="rId51"/>
-    <p:sldId id="357" r:id="rId52"/>
-    <p:sldId id="388" r:id="rId53"/>
-    <p:sldId id="353" r:id="rId54"/>
-    <p:sldId id="354" r:id="rId55"/>
-    <p:sldId id="355" r:id="rId56"/>
-    <p:sldId id="356" r:id="rId57"/>
-    <p:sldId id="389" r:id="rId58"/>
-    <p:sldId id="376" r:id="rId59"/>
-    <p:sldId id="362" r:id="rId60"/>
-    <p:sldId id="364" r:id="rId61"/>
-    <p:sldId id="365" r:id="rId62"/>
-    <p:sldId id="366" r:id="rId63"/>
-    <p:sldId id="367" r:id="rId64"/>
-    <p:sldId id="374" r:id="rId65"/>
-    <p:sldId id="310" r:id="rId66"/>
-    <p:sldId id="311" r:id="rId67"/>
-    <p:sldId id="379" r:id="rId68"/>
-    <p:sldId id="313" r:id="rId69"/>
-    <p:sldId id="314" r:id="rId70"/>
-    <p:sldId id="390" r:id="rId71"/>
-    <p:sldId id="315" r:id="rId72"/>
-    <p:sldId id="380" r:id="rId73"/>
-    <p:sldId id="381" r:id="rId74"/>
-    <p:sldId id="317" r:id="rId75"/>
-    <p:sldId id="318" r:id="rId76"/>
-    <p:sldId id="319" r:id="rId77"/>
-    <p:sldId id="320" r:id="rId78"/>
-    <p:sldId id="321" r:id="rId79"/>
-    <p:sldId id="349" r:id="rId80"/>
-    <p:sldId id="352" r:id="rId81"/>
-    <p:sldId id="350" r:id="rId82"/>
-    <p:sldId id="351" r:id="rId83"/>
-    <p:sldId id="323" r:id="rId84"/>
-    <p:sldId id="391" r:id="rId85"/>
-    <p:sldId id="324" r:id="rId86"/>
-    <p:sldId id="325" r:id="rId87"/>
-    <p:sldId id="326" r:id="rId88"/>
+    <p:sldId id="357" r:id="rId44"/>
+    <p:sldId id="386" r:id="rId45"/>
+    <p:sldId id="305" r:id="rId46"/>
+    <p:sldId id="332" r:id="rId47"/>
+    <p:sldId id="306" r:id="rId48"/>
+    <p:sldId id="335" r:id="rId49"/>
+    <p:sldId id="375" r:id="rId50"/>
+    <p:sldId id="388" r:id="rId51"/>
+    <p:sldId id="353" r:id="rId52"/>
+    <p:sldId id="354" r:id="rId53"/>
+    <p:sldId id="355" r:id="rId54"/>
+    <p:sldId id="356" r:id="rId55"/>
+    <p:sldId id="389" r:id="rId56"/>
+    <p:sldId id="376" r:id="rId57"/>
+    <p:sldId id="362" r:id="rId58"/>
+    <p:sldId id="364" r:id="rId59"/>
+    <p:sldId id="365" r:id="rId60"/>
+    <p:sldId id="366" r:id="rId61"/>
+    <p:sldId id="367" r:id="rId62"/>
+    <p:sldId id="374" r:id="rId63"/>
+    <p:sldId id="310" r:id="rId64"/>
+    <p:sldId id="311" r:id="rId65"/>
+    <p:sldId id="379" r:id="rId66"/>
+    <p:sldId id="313" r:id="rId67"/>
+    <p:sldId id="314" r:id="rId68"/>
+    <p:sldId id="390" r:id="rId69"/>
+    <p:sldId id="315" r:id="rId70"/>
+    <p:sldId id="380" r:id="rId71"/>
+    <p:sldId id="381" r:id="rId72"/>
+    <p:sldId id="317" r:id="rId73"/>
+    <p:sldId id="318" r:id="rId74"/>
+    <p:sldId id="319" r:id="rId75"/>
+    <p:sldId id="320" r:id="rId76"/>
+    <p:sldId id="321" r:id="rId77"/>
+    <p:sldId id="349" r:id="rId78"/>
+    <p:sldId id="352" r:id="rId79"/>
+    <p:sldId id="350" r:id="rId80"/>
+    <p:sldId id="351" r:id="rId81"/>
+    <p:sldId id="323" r:id="rId82"/>
+    <p:sldId id="391" r:id="rId83"/>
+    <p:sldId id="324" r:id="rId84"/>
+    <p:sldId id="325" r:id="rId85"/>
+    <p:sldId id="326" r:id="rId86"/>
   </p:sldIdLst>
   <p:sldSz cx="9144000" cy="6858000" type="screen4x3"/>
-  <p:notesSz cx="6858000" cy="9144000"/>
+  <p:notesSz cx="9144000" cy="6858000"/>
   <p:defaultTextStyle>
     <a:defPPr>
       <a:defRPr lang="en-GB"/>
@@ -268,12 +266,12 @@
     </p:ext>
     <p:ext uri="{2D200454-40CA-4A62-9FC3-DE9A4176ACB9}">
       <p15:notesGuideLst xmlns:p15="http://schemas.microsoft.com/office/powerpoint/2012/main">
-        <p15:guide id="1" orient="horz" pos="2880">
+        <p15:guide id="1" orient="horz" pos="2160" userDrawn="1">
           <p15:clr>
             <a:srgbClr val="A4A3A4"/>
           </p15:clr>
         </p15:guide>
-        <p15:guide id="2" pos="2160">
+        <p15:guide id="2" pos="2880" userDrawn="1">
           <p15:clr>
             <a:srgbClr val="A4A3A4"/>
           </p15:clr>
@@ -322,7 +320,7 @@
         <p:spPr>
           <a:xfrm>
             <a:off x="0" y="0"/>
-            <a:ext cx="2971800" cy="457200"/>
+            <a:ext cx="3962400" cy="342900"/>
           </a:xfrm>
           <a:prstGeom prst="rect">
             <a:avLst/>
@@ -365,8 +363,8 @@
         </p:nvSpPr>
         <p:spPr>
           <a:xfrm>
-            <a:off x="3884613" y="0"/>
-            <a:ext cx="2971800" cy="457200"/>
+            <a:off x="5179484" y="0"/>
+            <a:ext cx="3962400" cy="342900"/>
           </a:xfrm>
           <a:prstGeom prst="rect">
             <a:avLst/>
@@ -387,7 +385,7 @@
             <a:fld id="{8D49A9A6-EEBE-4A10-B375-E3DE23A9130F}" type="datetimeFigureOut">
               <a:rPr lang="en-US" altLang="en-US"/>
               <a:pPr/>
-              <a:t>2/10/2015</a:t>
+              <a:t>2/24/2015</a:t>
             </a:fld>
             <a:endParaRPr lang="en-US" altLang="en-US"/>
           </a:p>
@@ -405,8 +403,8 @@
         </p:nvSpPr>
         <p:spPr>
           <a:xfrm>
-            <a:off x="0" y="8685213"/>
-            <a:ext cx="2971800" cy="457200"/>
+            <a:off x="0" y="6513910"/>
+            <a:ext cx="3962400" cy="342900"/>
           </a:xfrm>
           <a:prstGeom prst="rect">
             <a:avLst/>
@@ -449,8 +447,8 @@
         </p:nvSpPr>
         <p:spPr>
           <a:xfrm>
-            <a:off x="3884613" y="8685213"/>
-            <a:ext cx="2971800" cy="457200"/>
+            <a:off x="5179484" y="6513910"/>
+            <a:ext cx="3962400" cy="342900"/>
           </a:xfrm>
           <a:prstGeom prst="rect">
             <a:avLst/>
@@ -525,7 +523,7 @@
         <p:spPr bwMode="auto">
           <a:xfrm>
             <a:off x="0" y="0"/>
-            <a:ext cx="6858000" cy="9144000"/>
+            <a:ext cx="9144000" cy="6858000"/>
           </a:xfrm>
           <a:prstGeom prst="roundRect">
             <a:avLst>
@@ -591,7 +589,7 @@
         <p:spPr bwMode="auto">
           <a:xfrm>
             <a:off x="0" y="0"/>
-            <a:ext cx="2971800" cy="457200"/>
+            <a:ext cx="3962400" cy="342900"/>
           </a:xfrm>
           <a:prstGeom prst="rect">
             <a:avLst/>
@@ -659,8 +657,8 @@
         </p:nvSpPr>
         <p:spPr bwMode="auto">
           <a:xfrm>
-            <a:off x="3884613" y="0"/>
-            <a:ext cx="2971800" cy="457200"/>
+            <a:off x="5179484" y="0"/>
+            <a:ext cx="3962400" cy="342900"/>
           </a:xfrm>
           <a:prstGeom prst="rect">
             <a:avLst/>
@@ -730,8 +728,8 @@
         </p:nvSpPr>
         <p:spPr bwMode="auto">
           <a:xfrm>
-            <a:off x="1143000" y="685800"/>
-            <a:ext cx="4570413" cy="3427413"/>
+            <a:off x="2857500" y="514350"/>
+            <a:ext cx="3427413" cy="2570163"/>
           </a:xfrm>
           <a:prstGeom prst="rect">
             <a:avLst/>
@@ -783,8 +781,8 @@
         </p:nvSpPr>
         <p:spPr bwMode="auto">
           <a:xfrm>
-            <a:off x="685800" y="4343400"/>
-            <a:ext cx="5484813" cy="4113213"/>
+            <a:off x="914401" y="3257550"/>
+            <a:ext cx="7313084" cy="3084910"/>
           </a:xfrm>
           <a:prstGeom prst="rect">
             <a:avLst/>
@@ -851,8 +849,8 @@
         </p:nvSpPr>
         <p:spPr bwMode="auto">
           <a:xfrm>
-            <a:off x="0" y="8685213"/>
-            <a:ext cx="2971800" cy="457200"/>
+            <a:off x="0" y="6513910"/>
+            <a:ext cx="3962400" cy="342900"/>
           </a:xfrm>
           <a:prstGeom prst="rect">
             <a:avLst/>
@@ -922,8 +920,8 @@
         </p:nvSpPr>
         <p:spPr bwMode="auto">
           <a:xfrm>
-            <a:off x="3884613" y="8685213"/>
-            <a:ext cx="2970212" cy="455612"/>
+            <a:off x="5179484" y="6513910"/>
+            <a:ext cx="3960283" cy="341709"/>
           </a:xfrm>
           <a:prstGeom prst="rect">
             <a:avLst/>
@@ -1316,7 +1314,7 @@
             <a:fld id="{9F4783CB-4C08-4D00-BD8C-103BE55DB799}" type="slidenum">
               <a:rPr lang="en-US" altLang="en-US" smtClean="0"/>
               <a:pPr/>
-              <a:t>48</a:t>
+              <a:t>47</a:t>
             </a:fld>
             <a:endParaRPr lang="en-US" altLang="en-US"/>
           </a:p>
@@ -1401,7 +1399,7 @@
             <a:fld id="{9F4783CB-4C08-4D00-BD8C-103BE55DB799}" type="slidenum">
               <a:rPr lang="en-US" altLang="en-US" smtClean="0"/>
               <a:pPr/>
-              <a:t>55</a:t>
+              <a:t>53</a:t>
             </a:fld>
             <a:endParaRPr lang="en-US" altLang="en-US"/>
           </a:p>
@@ -1498,7 +1496,7 @@
             <a:fld id="{9F4783CB-4C08-4D00-BD8C-103BE55DB799}" type="slidenum">
               <a:rPr lang="en-US" altLang="en-US" smtClean="0"/>
               <a:pPr/>
-              <a:t>66</a:t>
+              <a:t>64</a:t>
             </a:fld>
             <a:endParaRPr lang="en-US" altLang="en-US"/>
           </a:p>
@@ -1595,7 +1593,7 @@
             <a:fld id="{9F4783CB-4C08-4D00-BD8C-103BE55DB799}" type="slidenum">
               <a:rPr lang="en-US" altLang="en-US" smtClean="0"/>
               <a:pPr/>
-              <a:t>67</a:t>
+              <a:t>65</a:t>
             </a:fld>
             <a:endParaRPr lang="en-US" altLang="en-US"/>
           </a:p>
@@ -1680,7 +1678,7 @@
             <a:fld id="{9F4783CB-4C08-4D00-BD8C-103BE55DB799}" type="slidenum">
               <a:rPr lang="en-US" altLang="en-US" smtClean="0"/>
               <a:pPr/>
-              <a:t>68</a:t>
+              <a:t>66</a:t>
             </a:fld>
             <a:endParaRPr lang="en-US" altLang="en-US"/>
           </a:p>
@@ -1849,7 +1847,7 @@
             <a:fld id="{9F4783CB-4C08-4D00-BD8C-103BE55DB799}" type="slidenum">
               <a:rPr lang="en-US" altLang="en-US" smtClean="0"/>
               <a:pPr/>
-              <a:t>72</a:t>
+              <a:t>70</a:t>
             </a:fld>
             <a:endParaRPr lang="en-US" altLang="en-US"/>
           </a:p>
@@ -2012,7 +2010,7 @@
             <a:fld id="{9F4783CB-4C08-4D00-BD8C-103BE55DB799}" type="slidenum">
               <a:rPr lang="en-US" altLang="en-US" smtClean="0"/>
               <a:pPr/>
-              <a:t>73</a:t>
+              <a:t>71</a:t>
             </a:fld>
             <a:endParaRPr lang="en-US" altLang="en-US"/>
           </a:p>
@@ -2175,7 +2173,7 @@
             <a:fld id="{9F4783CB-4C08-4D00-BD8C-103BE55DB799}" type="slidenum">
               <a:rPr lang="en-US" altLang="en-US" smtClean="0"/>
               <a:pPr/>
-              <a:t>74</a:t>
+              <a:t>72</a:t>
             </a:fld>
             <a:endParaRPr lang="en-US" altLang="en-US"/>
           </a:p>
@@ -2280,7 +2278,7 @@
             <a:fld id="{9F4783CB-4C08-4D00-BD8C-103BE55DB799}" type="slidenum">
               <a:rPr lang="en-US" altLang="en-US" smtClean="0"/>
               <a:pPr/>
-              <a:t>75</a:t>
+              <a:t>73</a:t>
             </a:fld>
             <a:endParaRPr lang="en-US" altLang="en-US"/>
           </a:p>
@@ -2562,7 +2560,7 @@
                 <a:latin typeface="Times New Roman" panose="02020603050405020304" pitchFamily="18" charset="0"/>
               </a:rPr>
               <a:pPr eaLnBrk="1" hangingPunct="1"/>
-              <a:t>85</a:t>
+              <a:t>83</a:t>
             </a:fld>
             <a:endParaRPr lang="en-US" altLang="en-US" sz="1200">
               <a:solidFill>
@@ -2585,8 +2583,8 @@
         </p:nvSpPr>
         <p:spPr>
           <a:xfrm>
-            <a:off x="1143000" y="685800"/>
-            <a:ext cx="4572000" cy="3429000"/>
+            <a:off x="2857500" y="514350"/>
+            <a:ext cx="3429000" cy="2571750"/>
           </a:xfrm>
           <a:solidFill>
             <a:srgbClr val="FFFFFF"/>
@@ -2618,8 +2616,8 @@
         </p:nvSpPr>
         <p:spPr>
           <a:xfrm>
-            <a:off x="685800" y="4343400"/>
-            <a:ext cx="5486400" cy="4114800"/>
+            <a:off x="914400" y="3257550"/>
+            <a:ext cx="7315200" cy="3086100"/>
           </a:xfrm>
           <a:noFill/>
           <a:extLst>
@@ -3062,7 +3060,7 @@
                 <a:latin typeface="Times New Roman" panose="02020603050405020304" pitchFamily="18" charset="0"/>
               </a:rPr>
               <a:pPr eaLnBrk="1" hangingPunct="1"/>
-              <a:t>86</a:t>
+              <a:t>84</a:t>
             </a:fld>
             <a:endParaRPr lang="en-US" altLang="en-US" sz="1200">
               <a:solidFill>
@@ -3085,8 +3083,8 @@
         </p:nvSpPr>
         <p:spPr>
           <a:xfrm>
-            <a:off x="1143000" y="685800"/>
-            <a:ext cx="4572000" cy="3429000"/>
+            <a:off x="2857500" y="514350"/>
+            <a:ext cx="3429000" cy="2571750"/>
           </a:xfrm>
           <a:solidFill>
             <a:srgbClr val="FFFFFF"/>
@@ -3118,8 +3116,8 @@
         </p:nvSpPr>
         <p:spPr>
           <a:xfrm>
-            <a:off x="685800" y="4343400"/>
-            <a:ext cx="5486400" cy="4114800"/>
+            <a:off x="914400" y="3257550"/>
+            <a:ext cx="7315200" cy="3086100"/>
           </a:xfrm>
           <a:noFill/>
           <a:extLst>
@@ -3442,7 +3440,7 @@
                 <a:latin typeface="Times New Roman" panose="02020603050405020304" pitchFamily="18" charset="0"/>
               </a:rPr>
               <a:pPr eaLnBrk="1" hangingPunct="1"/>
-              <a:t>87</a:t>
+              <a:t>85</a:t>
             </a:fld>
             <a:endParaRPr lang="en-US" altLang="en-US" sz="1200">
               <a:solidFill>
@@ -3465,8 +3463,8 @@
         </p:nvSpPr>
         <p:spPr>
           <a:xfrm>
-            <a:off x="1143000" y="685800"/>
-            <a:ext cx="4572000" cy="3429000"/>
+            <a:off x="2857500" y="514350"/>
+            <a:ext cx="3429000" cy="2571750"/>
           </a:xfrm>
           <a:solidFill>
             <a:srgbClr val="FFFFFF"/>
@@ -3498,8 +3496,8 @@
         </p:nvSpPr>
         <p:spPr>
           <a:xfrm>
-            <a:off x="685800" y="4343400"/>
-            <a:ext cx="5486400" cy="4114800"/>
+            <a:off x="914400" y="3257550"/>
+            <a:ext cx="7315200" cy="3086100"/>
           </a:xfrm>
           <a:noFill/>
           <a:extLst>
@@ -7104,12 +7102,16 @@
               <a:t>Dr. </a:t>
             </a:r>
             <a:r>
-              <a:rPr lang="en-US" sz="2400" dirty="0" err="1"/>
-              <a:t>Yoonsuck</a:t>
+              <a:rPr lang="en-US" sz="2400" dirty="0" err="1" smtClean="0"/>
+              <a:t>Anxiao</a:t>
+            </a:r>
+            <a:r>
+              <a:rPr lang="en-US" sz="2400" dirty="0" smtClean="0"/>
+              <a:t> Jiang </a:t>
             </a:r>
             <a:r>
               <a:rPr lang="en-US" sz="2400" dirty="0"/>
-              <a:t> Choi (Member)</a:t>
+              <a:t>(Member)</a:t>
             </a:r>
           </a:p>
           <a:p>
@@ -7234,11 +7236,7 @@
             </a:r>
             <a:r>
               <a:rPr lang="en-US" dirty="0"/>
-              <a:t>: </a:t>
-            </a:r>
-            <a:r>
-              <a:rPr lang="en-US" dirty="0"/>
-              <a:t>A PERSONALIZED RÉ</a:t>
+              <a:t>: A PERSONALIZED RÉ</a:t>
             </a:r>
             <a:r>
               <a:rPr lang="en-US" altLang="zh-CN" dirty="0"/>
@@ -10681,19 +10679,7 @@
                   <a:schemeClr val="tx1"/>
                 </a:solidFill>
               </a:rPr>
-              <a:t>But the pattern becomes too large to list every </a:t>
-            </a:r>
-            <a:r>
-              <a:rPr lang="en-US" dirty="0" err="1" smtClean="0">
-                <a:solidFill>
-                  <a:schemeClr val="tx1"/>
-                </a:solidFill>
-              </a:rPr>
-              <a:t>possibility</a:t>
-            </a:r>
-            <a:r>
-              <a:rPr lang="en-US" dirty="0" err="1" smtClean="0"/>
-              <a:t>t</a:t>
+              <a:t>But the pattern becomes too large to list every possibility</a:t>
             </a:r>
             <a:endParaRPr lang="en-US" dirty="0">
               <a:solidFill>
@@ -11630,36 +11616,6 @@
           </a:p>
         </p:txBody>
       </p:sp>
-      <p:pic>
-        <p:nvPicPr>
-          <p:cNvPr id="5" name="Picture 4"/>
-          <p:cNvPicPr>
-            <a:picLocks noChangeAspect="1"/>
-          </p:cNvPicPr>
-          <p:nvPr/>
-        </p:nvPicPr>
-        <p:blipFill>
-          <a:blip r:embed="rId2">
-            <a:extLst>
-              <a:ext uri="{28A0092B-C50C-407E-A947-70E740481C1C}">
-                <a14:useLocalDpi xmlns:a14="http://schemas.microsoft.com/office/drawing/2010/main" val="0"/>
-              </a:ext>
-            </a:extLst>
-          </a:blip>
-          <a:stretch>
-            <a:fillRect/>
-          </a:stretch>
-        </p:blipFill>
-        <p:spPr>
-          <a:xfrm>
-            <a:off x="1114425" y="1878905"/>
-            <a:ext cx="7038975" cy="4750495"/>
-          </a:xfrm>
-          <a:prstGeom prst="rect">
-            <a:avLst/>
-          </a:prstGeom>
-        </p:spPr>
-      </p:pic>
       <p:sp>
         <p:nvSpPr>
           <p:cNvPr id="6" name="Rectangle 5"/>
@@ -11689,44 +11645,36 @@
           </a:p>
         </p:txBody>
       </p:sp>
-      <p:sp>
-        <p:nvSpPr>
-          <p:cNvPr id="2" name="TextBox 1"/>
-          <p:cNvSpPr txBox="1"/>
+      <p:pic>
+        <p:nvPicPr>
+          <p:cNvPr id="7" name="Picture 6"/>
+          <p:cNvPicPr>
+            <a:picLocks noChangeAspect="1"/>
+          </p:cNvPicPr>
           <p:nvPr/>
-        </p:nvSpPr>
+        </p:nvPicPr>
+        <p:blipFill>
+          <a:blip r:embed="rId2">
+            <a:extLst>
+              <a:ext uri="{28A0092B-C50C-407E-A947-70E740481C1C}">
+                <a14:useLocalDpi xmlns:a14="http://schemas.microsoft.com/office/drawing/2010/main" val="0"/>
+              </a:ext>
+            </a:extLst>
+          </a:blip>
+          <a:stretch>
+            <a:fillRect/>
+          </a:stretch>
+        </p:blipFill>
         <p:spPr>
           <a:xfrm>
-            <a:off x="6477000" y="2743200"/>
-            <a:ext cx="1524000" cy="523220"/>
+            <a:off x="1047146" y="1850231"/>
+            <a:ext cx="7049708" cy="4757738"/>
           </a:xfrm>
           <a:prstGeom prst="rect">
             <a:avLst/>
           </a:prstGeom>
-          <a:noFill/>
         </p:spPr>
-        <p:txBody>
-          <a:bodyPr wrap="square" rtlCol="0">
-            <a:spAutoFit/>
-          </a:bodyPr>
-          <a:lstStyle/>
-          <a:p>
-            <a:r>
-              <a:rPr lang="en-US" sz="1400" dirty="0" smtClean="0">
-                <a:solidFill>
-                  <a:schemeClr val="tx1"/>
-                </a:solidFill>
-              </a:rPr>
-              <a:t>Searching indeed or nice</a:t>
-            </a:r>
-            <a:endParaRPr lang="en-US" sz="1400" dirty="0">
-              <a:solidFill>
-                <a:schemeClr val="tx1"/>
-              </a:solidFill>
-            </a:endParaRPr>
-          </a:p>
-        </p:txBody>
-      </p:sp>
+      </p:pic>
     </p:spTree>
     <p:extLst>
       <p:ext uri="{BB962C8B-B14F-4D97-AF65-F5344CB8AC3E}">
@@ -19327,145 +19275,35 @@
           <a:chExt cx="0" cy="0"/>
         </a:xfrm>
       </p:grpSpPr>
-      <p:sp>
-        <p:nvSpPr>
-          <p:cNvPr id="2" name="Content Placeholder 1"/>
-          <p:cNvSpPr>
-            <a:spLocks noGrp="1"/>
-          </p:cNvSpPr>
+      <p:pic>
+        <p:nvPicPr>
+          <p:cNvPr id="4" name="Content Placeholder 3"/>
+          <p:cNvPicPr>
+            <a:picLocks noGrp="1" noChangeAspect="1"/>
+          </p:cNvPicPr>
           <p:nvPr>
             <p:ph idx="1"/>
           </p:nvPr>
-        </p:nvSpPr>
+        </p:nvPicPr>
+        <p:blipFill>
+          <a:blip r:embed="rId2">
+            <a:extLst>
+              <a:ext uri="{28A0092B-C50C-407E-A947-70E740481C1C}">
+                <a14:useLocalDpi xmlns:a14="http://schemas.microsoft.com/office/drawing/2010/main" val="0"/>
+              </a:ext>
+            </a:extLst>
+          </a:blip>
+          <a:stretch>
+            <a:fillRect/>
+          </a:stretch>
+        </p:blipFill>
         <p:spPr>
           <a:xfrm>
-            <a:off x="503554" y="1981200"/>
-            <a:ext cx="8228013" cy="4572000"/>
+            <a:off x="0" y="380999"/>
+            <a:ext cx="9144000" cy="6787387"/>
           </a:xfrm>
         </p:spPr>
-        <p:txBody>
-          <a:bodyPr/>
-          <a:lstStyle/>
-          <a:p>
-            <a:pPr marL="457200" indent="-457200">
-              <a:buClr>
-                <a:srgbClr val="C00000"/>
-              </a:buClr>
-              <a:buFont typeface="+mj-lt"/>
-              <a:buAutoNum type="arabicPeriod"/>
-            </a:pPr>
-            <a:r>
-              <a:rPr lang="en-US" sz="2400" dirty="0"/>
-              <a:t>A high-level language such as Java, Groovy, Ruby or Python; we use Java and Groovy </a:t>
-            </a:r>
-            <a:r>
-              <a:rPr lang="en-US" sz="2400" dirty="0" smtClean="0"/>
-              <a:t>extensively</a:t>
-            </a:r>
-            <a:endParaRPr lang="en-US" sz="2400" dirty="0"/>
-          </a:p>
-          <a:p>
-            <a:pPr marL="457200" indent="-457200">
-              <a:buClr>
-                <a:srgbClr val="C00000"/>
-              </a:buClr>
-              <a:buFont typeface="+mj-lt"/>
-              <a:buAutoNum type="arabicPeriod"/>
-            </a:pPr>
-            <a:r>
-              <a:rPr lang="en-US" sz="2400" dirty="0"/>
-              <a:t>HTML5/CSS3/JavaScript, web standards, jQuery or frameworks like </a:t>
-            </a:r>
-            <a:r>
-              <a:rPr lang="en-US" sz="2400" dirty="0" err="1"/>
-              <a:t>AngularJS</a:t>
-            </a:r>
-            <a:r>
-              <a:rPr lang="en-US" sz="2400" dirty="0"/>
-              <a:t> would be </a:t>
-            </a:r>
-            <a:r>
-              <a:rPr lang="en-US" sz="2400" dirty="0" smtClean="0"/>
-              <a:t>great</a:t>
-            </a:r>
-            <a:endParaRPr lang="en-US" sz="2400" dirty="0"/>
-          </a:p>
-          <a:p>
-            <a:pPr marL="457200" indent="-457200">
-              <a:buClr>
-                <a:srgbClr val="C00000"/>
-              </a:buClr>
-              <a:buFont typeface="+mj-lt"/>
-              <a:buAutoNum type="arabicPeriod"/>
-            </a:pPr>
-            <a:r>
-              <a:rPr lang="en-US" sz="2400" dirty="0"/>
-              <a:t>HTML CSS and </a:t>
-            </a:r>
-            <a:r>
-              <a:rPr lang="en-US" sz="2400" dirty="0" err="1"/>
-              <a:t>Javascript</a:t>
-            </a:r>
-            <a:r>
-              <a:rPr lang="en-US" sz="2400" dirty="0"/>
-              <a:t> a must 4. Experience with AJAX, XML, XSL, XSLT, CSS, JavaScript, JQuery, HTML and Web </a:t>
-            </a:r>
-            <a:r>
-              <a:rPr lang="en-US" sz="2400" dirty="0" smtClean="0"/>
-              <a:t>Services</a:t>
-            </a:r>
-          </a:p>
-          <a:p>
-            <a:pPr marL="0" indent="0">
-              <a:buClr>
-                <a:srgbClr val="C00000"/>
-              </a:buClr>
-            </a:pPr>
-            <a:endParaRPr lang="en-US" sz="2400" dirty="0"/>
-          </a:p>
-          <a:p>
-            <a:pPr marL="0" indent="0">
-              <a:buClr>
-                <a:srgbClr val="C00000"/>
-              </a:buClr>
-            </a:pPr>
-            <a:endParaRPr lang="en-US" sz="2400" dirty="0"/>
-          </a:p>
-          <a:p>
-            <a:endParaRPr lang="en-US" dirty="0"/>
-          </a:p>
-        </p:txBody>
-      </p:sp>
-      <p:sp>
-        <p:nvSpPr>
-          <p:cNvPr id="3" name="Title 2"/>
-          <p:cNvSpPr>
-            <a:spLocks noGrp="1"/>
-          </p:cNvSpPr>
-          <p:nvPr>
-            <p:ph type="title"/>
-          </p:nvPr>
-        </p:nvSpPr>
-        <p:spPr>
-          <a:xfrm>
-            <a:off x="512298" y="533400"/>
-            <a:ext cx="7343775" cy="994172"/>
-          </a:xfrm>
-        </p:spPr>
-        <p:txBody>
-          <a:bodyPr>
-            <a:normAutofit/>
-          </a:bodyPr>
-          <a:lstStyle/>
-          <a:p>
-            <a:r>
-              <a:rPr lang="en-US" dirty="0" smtClean="0"/>
-              <a:t>Understanding Skills</a:t>
-            </a:r>
-            <a:endParaRPr lang="en-US" dirty="0"/>
-          </a:p>
-        </p:txBody>
-      </p:sp>
+      </p:pic>
       <p:sp>
         <p:nvSpPr>
           <p:cNvPr id="5" name="Rectangle 4"/>
@@ -19502,7 +19340,7 @@
     </p:spTree>
     <p:extLst>
       <p:ext uri="{BB962C8B-B14F-4D97-AF65-F5344CB8AC3E}">
-        <p14:creationId xmlns:p14="http://schemas.microsoft.com/office/powerpoint/2010/main" val="1945958816"/>
+        <p14:creationId xmlns:p14="http://schemas.microsoft.com/office/powerpoint/2010/main" val="2609138191"/>
       </p:ext>
     </p:extLst>
   </p:cSld>
@@ -19544,136 +19382,6 @@
           <a:chExt cx="0" cy="0"/>
         </a:xfrm>
       </p:grpSpPr>
-      <p:pic>
-        <p:nvPicPr>
-          <p:cNvPr id="3" name="Picture 2"/>
-          <p:cNvPicPr>
-            <a:picLocks noChangeAspect="1"/>
-          </p:cNvPicPr>
-          <p:nvPr/>
-        </p:nvPicPr>
-        <p:blipFill>
-          <a:blip r:embed="rId2"/>
-          <a:stretch>
-            <a:fillRect/>
-          </a:stretch>
-        </p:blipFill>
-        <p:spPr>
-          <a:xfrm>
-            <a:off x="0" y="2133600"/>
-            <a:ext cx="9191884" cy="3505200"/>
-          </a:xfrm>
-          <a:prstGeom prst="rect">
-            <a:avLst/>
-          </a:prstGeom>
-        </p:spPr>
-      </p:pic>
-      <p:sp>
-        <p:nvSpPr>
-          <p:cNvPr id="5" name="Title 2"/>
-          <p:cNvSpPr>
-            <a:spLocks noGrp="1"/>
-          </p:cNvSpPr>
-          <p:nvPr>
-            <p:ph type="title"/>
-          </p:nvPr>
-        </p:nvSpPr>
-        <p:spPr>
-          <a:xfrm>
-            <a:off x="609600" y="533400"/>
-            <a:ext cx="7343775" cy="994172"/>
-          </a:xfrm>
-        </p:spPr>
-        <p:txBody>
-          <a:bodyPr/>
-          <a:lstStyle/>
-          <a:p>
-            <a:r>
-              <a:rPr lang="en-US" dirty="0" smtClean="0"/>
-              <a:t>Skill based Ontology</a:t>
-            </a:r>
-            <a:endParaRPr lang="en-US" dirty="0"/>
-          </a:p>
-        </p:txBody>
-      </p:sp>
-      <p:sp>
-        <p:nvSpPr>
-          <p:cNvPr id="6" name="Rectangle 5"/>
-          <p:cNvSpPr/>
-          <p:nvPr/>
-        </p:nvSpPr>
-        <p:spPr>
-          <a:xfrm>
-            <a:off x="6096000" y="-76200"/>
-            <a:ext cx="2752677" cy="461665"/>
-          </a:xfrm>
-          <a:prstGeom prst="rect">
-            <a:avLst/>
-          </a:prstGeom>
-        </p:spPr>
-        <p:txBody>
-          <a:bodyPr wrap="none">
-            <a:spAutoFit/>
-          </a:bodyPr>
-          <a:lstStyle/>
-          <a:p>
-            <a:r>
-              <a:rPr lang="en-US"/>
-              <a:t>Ontology </a:t>
-            </a:r>
-            <a:r>
-              <a:rPr lang="en-US" smtClean="0"/>
-              <a:t>Similarity</a:t>
-            </a:r>
-            <a:endParaRPr lang="en-US"/>
-          </a:p>
-        </p:txBody>
-      </p:sp>
-    </p:spTree>
-    <p:extLst>
-      <p:ext uri="{BB962C8B-B14F-4D97-AF65-F5344CB8AC3E}">
-        <p14:creationId xmlns:p14="http://schemas.microsoft.com/office/powerpoint/2010/main" val="3814410725"/>
-      </p:ext>
-    </p:extLst>
-  </p:cSld>
-  <p:clrMapOvr>
-    <a:masterClrMapping/>
-  </p:clrMapOvr>
-  <mc:AlternateContent xmlns:mc="http://schemas.openxmlformats.org/markup-compatibility/2006" xmlns:p14="http://schemas.microsoft.com/office/powerpoint/2010/main">
-    <mc:Choice Requires="p14">
-      <p:transition spd="slow" p14:dur="2000"/>
-    </mc:Choice>
-    <mc:Fallback xmlns="">
-      <p:transition spd="slow"/>
-    </mc:Fallback>
-  </mc:AlternateContent>
-  <p:timing>
-    <p:tnLst>
-      <p:par>
-        <p:cTn id="1" dur="indefinite" restart="never" nodeType="tmRoot"/>
-      </p:par>
-    </p:tnLst>
-  </p:timing>
-</p:sld>
-</file>
-
-<file path=ppt/slides/slide45.xml><?xml version="1.0" encoding="utf-8"?>
-<p:sld xmlns:a="http://schemas.openxmlformats.org/drawingml/2006/main" xmlns:r="http://schemas.openxmlformats.org/officeDocument/2006/relationships" xmlns:p="http://schemas.openxmlformats.org/presentationml/2006/main">
-  <p:cSld>
-    <p:spTree>
-      <p:nvGrpSpPr>
-        <p:cNvPr id="1" name=""/>
-        <p:cNvGrpSpPr/>
-        <p:nvPr/>
-      </p:nvGrpSpPr>
-      <p:grpSpPr>
-        <a:xfrm>
-          <a:off x="0" y="0"/>
-          <a:ext cx="0" cy="0"/>
-          <a:chOff x="0" y="0"/>
-          <a:chExt cx="0" cy="0"/>
-        </a:xfrm>
-      </p:grpSpPr>
       <p:sp>
         <p:nvSpPr>
           <p:cNvPr id="2" name="Title 1"/>
@@ -19733,7 +19441,7 @@
 </p:sld>
 </file>
 
-<file path=ppt/slides/slide46.xml><?xml version="1.0" encoding="utf-8"?>
+<file path=ppt/slides/slide45.xml><?xml version="1.0" encoding="utf-8"?>
 <p:sld xmlns:a="http://schemas.openxmlformats.org/drawingml/2006/main" xmlns:r="http://schemas.openxmlformats.org/officeDocument/2006/relationships" xmlns:p="http://schemas.openxmlformats.org/presentationml/2006/main">
   <p:cSld>
     <p:spTree>
@@ -19949,6 +19657,188 @@
     <p:extLst>
       <p:ext uri="{BB962C8B-B14F-4D97-AF65-F5344CB8AC3E}">
         <p14:creationId xmlns:p14="http://schemas.microsoft.com/office/powerpoint/2010/main" val="1361202479"/>
+      </p:ext>
+    </p:extLst>
+  </p:cSld>
+  <p:clrMapOvr>
+    <a:masterClrMapping/>
+  </p:clrMapOvr>
+  <mc:AlternateContent xmlns:mc="http://schemas.openxmlformats.org/markup-compatibility/2006" xmlns:p14="http://schemas.microsoft.com/office/powerpoint/2010/main">
+    <mc:Choice Requires="p14">
+      <p:transition spd="slow" p14:dur="2000"/>
+    </mc:Choice>
+    <mc:Fallback xmlns="">
+      <p:transition spd="slow"/>
+    </mc:Fallback>
+  </mc:AlternateContent>
+  <p:timing>
+    <p:tnLst>
+      <p:par>
+        <p:cTn id="1" dur="indefinite" restart="never" nodeType="tmRoot"/>
+      </p:par>
+    </p:tnLst>
+  </p:timing>
+</p:sld>
+</file>
+
+<file path=ppt/slides/slide46.xml><?xml version="1.0" encoding="utf-8"?>
+<p:sld xmlns:a="http://schemas.openxmlformats.org/drawingml/2006/main" xmlns:r="http://schemas.openxmlformats.org/officeDocument/2006/relationships" xmlns:p="http://schemas.openxmlformats.org/presentationml/2006/main">
+  <p:cSld>
+    <p:spTree>
+      <p:nvGrpSpPr>
+        <p:cNvPr id="1" name=""/>
+        <p:cNvGrpSpPr/>
+        <p:nvPr/>
+      </p:nvGrpSpPr>
+      <p:grpSpPr>
+        <a:xfrm>
+          <a:off x="0" y="0"/>
+          <a:ext cx="0" cy="0"/>
+          <a:chOff x="0" y="0"/>
+          <a:chExt cx="0" cy="0"/>
+        </a:xfrm>
+      </p:grpSpPr>
+      <p:sp>
+        <p:nvSpPr>
+          <p:cNvPr id="2" name="Content Placeholder 1"/>
+          <p:cNvSpPr>
+            <a:spLocks noGrp="1"/>
+          </p:cNvSpPr>
+          <p:nvPr>
+            <p:ph idx="1"/>
+          </p:nvPr>
+        </p:nvSpPr>
+        <p:spPr>
+          <a:xfrm>
+            <a:off x="512298" y="2263726"/>
+            <a:ext cx="8228013" cy="3375074"/>
+          </a:xfrm>
+        </p:spPr>
+        <p:txBody>
+          <a:bodyPr/>
+          <a:lstStyle/>
+          <a:p>
+            <a:pPr marL="457200" indent="-457200">
+              <a:buClr>
+                <a:srgbClr val="C00000"/>
+              </a:buClr>
+              <a:buFont typeface="Wingdings" panose="05000000000000000000" pitchFamily="2" charset="2"/>
+              <a:buChar char="v"/>
+            </a:pPr>
+            <a:r>
+              <a:rPr lang="en-US" sz="2800" dirty="0" smtClean="0"/>
+              <a:t>We can use a statistical based measure to automatically determine skill similarity using the following guidelines:</a:t>
+            </a:r>
+          </a:p>
+          <a:p>
+            <a:pPr marL="457200" indent="-457200">
+              <a:buClr>
+                <a:srgbClr val="C00000"/>
+              </a:buClr>
+              <a:buFont typeface="Wingdings" panose="05000000000000000000" pitchFamily="2" charset="2"/>
+              <a:buChar char="v"/>
+            </a:pPr>
+            <a:r>
+              <a:rPr lang="en-US" sz="2800" b="1" i="1" dirty="0" smtClean="0"/>
+              <a:t>Related </a:t>
+            </a:r>
+            <a:r>
+              <a:rPr lang="en-US" sz="2800" b="1" i="1" dirty="0"/>
+              <a:t>skills always exist in the job </a:t>
+            </a:r>
+            <a:r>
+              <a:rPr lang="en-US" sz="2800" b="1" i="1" dirty="0" smtClean="0"/>
+              <a:t>description simultaneously.  </a:t>
+            </a:r>
+          </a:p>
+          <a:p>
+            <a:pPr marL="457200" indent="-457200">
+              <a:buClr>
+                <a:srgbClr val="C00000"/>
+              </a:buClr>
+              <a:buFont typeface="Wingdings" panose="05000000000000000000" pitchFamily="2" charset="2"/>
+              <a:buChar char="v"/>
+            </a:pPr>
+            <a:r>
+              <a:rPr lang="en-US" sz="2800" b="1" i="1" dirty="0" smtClean="0"/>
+              <a:t>The smaller the distance between two skills, the closer the relationship between them.  </a:t>
+            </a:r>
+            <a:endParaRPr lang="en-US" sz="2800" b="1" i="1" dirty="0"/>
+          </a:p>
+          <a:p>
+            <a:endParaRPr lang="en-US" sz="3600" dirty="0"/>
+          </a:p>
+        </p:txBody>
+      </p:sp>
+      <p:sp>
+        <p:nvSpPr>
+          <p:cNvPr id="3" name="Title 2"/>
+          <p:cNvSpPr>
+            <a:spLocks noGrp="1"/>
+          </p:cNvSpPr>
+          <p:nvPr>
+            <p:ph type="title"/>
+          </p:nvPr>
+        </p:nvSpPr>
+        <p:spPr>
+          <a:xfrm>
+            <a:off x="512298" y="533400"/>
+            <a:ext cx="7343775" cy="994172"/>
+          </a:xfrm>
+        </p:spPr>
+        <p:txBody>
+          <a:bodyPr>
+            <a:normAutofit/>
+          </a:bodyPr>
+          <a:lstStyle/>
+          <a:p>
+            <a:r>
+              <a:rPr lang="en-US" dirty="0" smtClean="0"/>
+              <a:t>Skill Similarity Computation</a:t>
+            </a:r>
+            <a:endParaRPr lang="en-US" dirty="0">
+              <a:solidFill>
+                <a:schemeClr val="bg2">
+                  <a:lumMod val="75000"/>
+                </a:schemeClr>
+              </a:solidFill>
+            </a:endParaRPr>
+          </a:p>
+        </p:txBody>
+      </p:sp>
+      <p:sp>
+        <p:nvSpPr>
+          <p:cNvPr id="4" name="Rectangle 3"/>
+          <p:cNvSpPr/>
+          <p:nvPr/>
+        </p:nvSpPr>
+        <p:spPr>
+          <a:xfrm>
+            <a:off x="7170816" y="-50850"/>
+            <a:ext cx="1588897" cy="461665"/>
+          </a:xfrm>
+          <a:prstGeom prst="rect">
+            <a:avLst/>
+          </a:prstGeom>
+        </p:spPr>
+        <p:txBody>
+          <a:bodyPr wrap="none">
+            <a:spAutoFit/>
+          </a:bodyPr>
+          <a:lstStyle/>
+          <a:p>
+            <a:r>
+              <a:rPr lang="en-US" altLang="zh-CN" dirty="0"/>
+              <a:t>Motivation</a:t>
+            </a:r>
+            <a:endParaRPr lang="en-US" dirty="0"/>
+          </a:p>
+        </p:txBody>
+      </p:sp>
+    </p:spTree>
+    <p:extLst>
+      <p:ext uri="{BB962C8B-B14F-4D97-AF65-F5344CB8AC3E}">
+        <p14:creationId xmlns:p14="http://schemas.microsoft.com/office/powerpoint/2010/main" val="3665414082"/>
       </p:ext>
     </p:extLst>
   </p:cSld>
@@ -20002,188 +19892,6 @@
         </p:nvSpPr>
         <p:spPr>
           <a:xfrm>
-            <a:off x="512298" y="2263726"/>
-            <a:ext cx="8228013" cy="3375074"/>
-          </a:xfrm>
-        </p:spPr>
-        <p:txBody>
-          <a:bodyPr/>
-          <a:lstStyle/>
-          <a:p>
-            <a:pPr marL="457200" indent="-457200">
-              <a:buClr>
-                <a:srgbClr val="C00000"/>
-              </a:buClr>
-              <a:buFont typeface="Wingdings" panose="05000000000000000000" pitchFamily="2" charset="2"/>
-              <a:buChar char="v"/>
-            </a:pPr>
-            <a:r>
-              <a:rPr lang="en-US" sz="2800" dirty="0" smtClean="0"/>
-              <a:t>We can use a statistical based measure to automatically determine skill similarity using the following guidelines:</a:t>
-            </a:r>
-          </a:p>
-          <a:p>
-            <a:pPr marL="457200" indent="-457200">
-              <a:buClr>
-                <a:srgbClr val="C00000"/>
-              </a:buClr>
-              <a:buFont typeface="Wingdings" panose="05000000000000000000" pitchFamily="2" charset="2"/>
-              <a:buChar char="v"/>
-            </a:pPr>
-            <a:r>
-              <a:rPr lang="en-US" sz="2800" b="1" i="1" dirty="0" smtClean="0"/>
-              <a:t>Related </a:t>
-            </a:r>
-            <a:r>
-              <a:rPr lang="en-US" sz="2800" b="1" i="1" dirty="0"/>
-              <a:t>skills always exist in the job </a:t>
-            </a:r>
-            <a:r>
-              <a:rPr lang="en-US" sz="2800" b="1" i="1" dirty="0" smtClean="0"/>
-              <a:t>description simultaneously.  </a:t>
-            </a:r>
-          </a:p>
-          <a:p>
-            <a:pPr marL="457200" indent="-457200">
-              <a:buClr>
-                <a:srgbClr val="C00000"/>
-              </a:buClr>
-              <a:buFont typeface="Wingdings" panose="05000000000000000000" pitchFamily="2" charset="2"/>
-              <a:buChar char="v"/>
-            </a:pPr>
-            <a:r>
-              <a:rPr lang="en-US" sz="2800" b="1" i="1" dirty="0" smtClean="0"/>
-              <a:t>The smaller the distance between two skills, the closer the relationship between them.  </a:t>
-            </a:r>
-            <a:endParaRPr lang="en-US" sz="2800" b="1" i="1" dirty="0"/>
-          </a:p>
-          <a:p>
-            <a:endParaRPr lang="en-US" sz="3600" dirty="0"/>
-          </a:p>
-        </p:txBody>
-      </p:sp>
-      <p:sp>
-        <p:nvSpPr>
-          <p:cNvPr id="3" name="Title 2"/>
-          <p:cNvSpPr>
-            <a:spLocks noGrp="1"/>
-          </p:cNvSpPr>
-          <p:nvPr>
-            <p:ph type="title"/>
-          </p:nvPr>
-        </p:nvSpPr>
-        <p:spPr>
-          <a:xfrm>
-            <a:off x="512298" y="533400"/>
-            <a:ext cx="7343775" cy="994172"/>
-          </a:xfrm>
-        </p:spPr>
-        <p:txBody>
-          <a:bodyPr>
-            <a:normAutofit/>
-          </a:bodyPr>
-          <a:lstStyle/>
-          <a:p>
-            <a:r>
-              <a:rPr lang="en-US" dirty="0" smtClean="0"/>
-              <a:t>Skill Similarity Computation</a:t>
-            </a:r>
-            <a:endParaRPr lang="en-US" dirty="0">
-              <a:solidFill>
-                <a:schemeClr val="bg2">
-                  <a:lumMod val="75000"/>
-                </a:schemeClr>
-              </a:solidFill>
-            </a:endParaRPr>
-          </a:p>
-        </p:txBody>
-      </p:sp>
-      <p:sp>
-        <p:nvSpPr>
-          <p:cNvPr id="4" name="Rectangle 3"/>
-          <p:cNvSpPr/>
-          <p:nvPr/>
-        </p:nvSpPr>
-        <p:spPr>
-          <a:xfrm>
-            <a:off x="7170816" y="-50850"/>
-            <a:ext cx="1588897" cy="461665"/>
-          </a:xfrm>
-          <a:prstGeom prst="rect">
-            <a:avLst/>
-          </a:prstGeom>
-        </p:spPr>
-        <p:txBody>
-          <a:bodyPr wrap="none">
-            <a:spAutoFit/>
-          </a:bodyPr>
-          <a:lstStyle/>
-          <a:p>
-            <a:r>
-              <a:rPr lang="en-US" altLang="zh-CN" dirty="0"/>
-              <a:t>Motivation</a:t>
-            </a:r>
-            <a:endParaRPr lang="en-US" dirty="0"/>
-          </a:p>
-        </p:txBody>
-      </p:sp>
-    </p:spTree>
-    <p:extLst>
-      <p:ext uri="{BB962C8B-B14F-4D97-AF65-F5344CB8AC3E}">
-        <p14:creationId xmlns:p14="http://schemas.microsoft.com/office/powerpoint/2010/main" val="3665414082"/>
-      </p:ext>
-    </p:extLst>
-  </p:cSld>
-  <p:clrMapOvr>
-    <a:masterClrMapping/>
-  </p:clrMapOvr>
-  <mc:AlternateContent xmlns:mc="http://schemas.openxmlformats.org/markup-compatibility/2006" xmlns:p14="http://schemas.microsoft.com/office/powerpoint/2010/main">
-    <mc:Choice Requires="p14">
-      <p:transition spd="slow" p14:dur="2000"/>
-    </mc:Choice>
-    <mc:Fallback xmlns="">
-      <p:transition spd="slow"/>
-    </mc:Fallback>
-  </mc:AlternateContent>
-  <p:timing>
-    <p:tnLst>
-      <p:par>
-        <p:cTn id="1" dur="indefinite" restart="never" nodeType="tmRoot"/>
-      </p:par>
-    </p:tnLst>
-  </p:timing>
-</p:sld>
-</file>
-
-<file path=ppt/slides/slide48.xml><?xml version="1.0" encoding="utf-8"?>
-<p:sld xmlns:a="http://schemas.openxmlformats.org/drawingml/2006/main" xmlns:r="http://schemas.openxmlformats.org/officeDocument/2006/relationships" xmlns:p="http://schemas.openxmlformats.org/presentationml/2006/main">
-  <p:cSld>
-    <p:spTree>
-      <p:nvGrpSpPr>
-        <p:cNvPr id="1" name=""/>
-        <p:cNvGrpSpPr/>
-        <p:nvPr/>
-      </p:nvGrpSpPr>
-      <p:grpSpPr>
-        <a:xfrm>
-          <a:off x="0" y="0"/>
-          <a:ext cx="0" cy="0"/>
-          <a:chOff x="0" y="0"/>
-          <a:chExt cx="0" cy="0"/>
-        </a:xfrm>
-      </p:grpSpPr>
-      <p:sp>
-        <p:nvSpPr>
-          <p:cNvPr id="2" name="Content Placeholder 1"/>
-          <p:cNvSpPr>
-            <a:spLocks noGrp="1"/>
-          </p:cNvSpPr>
-          <p:nvPr>
-            <p:ph idx="1"/>
-          </p:nvPr>
-        </p:nvSpPr>
-        <p:spPr>
-          <a:xfrm>
             <a:off x="457200" y="1566471"/>
             <a:ext cx="8305800" cy="4981575"/>
           </a:xfrm>
@@ -20216,7 +19924,15 @@
             </a:r>
             <a:r>
               <a:rPr lang="en-US" sz="2800" dirty="0"/>
-              <a:t>number of documents in which the two terms exist together </a:t>
+              <a:t>number of documents in which the two </a:t>
+            </a:r>
+            <a:r>
+              <a:rPr lang="en-US" sz="2800" dirty="0" smtClean="0"/>
+              <a:t>skills exist </a:t>
+            </a:r>
+            <a:r>
+              <a:rPr lang="en-US" sz="2800" dirty="0"/>
+              <a:t>together </a:t>
             </a:r>
             <a:r>
               <a:rPr lang="en-US" sz="2800" dirty="0" smtClean="0"/>
@@ -20294,7 +20010,7 @@
             </a:r>
             <a:r>
               <a:rPr lang="en-US" sz="2800" dirty="0"/>
-              <a:t>the two terms in </a:t>
+              <a:t>the two skills in </a:t>
             </a:r>
             <a:r>
               <a:rPr lang="en-US" sz="2800" dirty="0" smtClean="0"/>
@@ -20500,7 +20216,7 @@
 </p:sld>
 </file>
 
-<file path=ppt/slides/slide49.xml><?xml version="1.0" encoding="utf-8"?>
+<file path=ppt/slides/slide48.xml><?xml version="1.0" encoding="utf-8"?>
 <p:sld xmlns:a="http://schemas.openxmlformats.org/drawingml/2006/main" xmlns:r="http://schemas.openxmlformats.org/officeDocument/2006/relationships" xmlns:p="http://schemas.openxmlformats.org/presentationml/2006/main">
   <p:cSld>
     <p:spTree>
@@ -20626,6 +20342,303 @@
       <p:transition spd="slow"/>
     </mc:Fallback>
   </mc:AlternateContent>
+  <p:timing>
+    <p:tnLst>
+      <p:par>
+        <p:cTn id="1" dur="indefinite" restart="never" nodeType="tmRoot"/>
+      </p:par>
+    </p:tnLst>
+  </p:timing>
+</p:sld>
+</file>
+
+<file path=ppt/slides/slide49.xml><?xml version="1.0" encoding="utf-8"?>
+<p:sld xmlns:a="http://schemas.openxmlformats.org/drawingml/2006/main" xmlns:r="http://schemas.openxmlformats.org/officeDocument/2006/relationships" xmlns:p="http://schemas.openxmlformats.org/presentationml/2006/main">
+  <p:cSld>
+    <p:spTree>
+      <p:nvGrpSpPr>
+        <p:cNvPr id="1" name=""/>
+        <p:cNvGrpSpPr/>
+        <p:nvPr/>
+      </p:nvGrpSpPr>
+      <p:grpSpPr>
+        <a:xfrm>
+          <a:off x="0" y="0"/>
+          <a:ext cx="0" cy="0"/>
+          <a:chOff x="0" y="0"/>
+          <a:chExt cx="0" cy="0"/>
+        </a:xfrm>
+      </p:grpSpPr>
+      <p:sp>
+        <p:nvSpPr>
+          <p:cNvPr id="3" name="Title 2"/>
+          <p:cNvSpPr>
+            <a:spLocks noGrp="1"/>
+          </p:cNvSpPr>
+          <p:nvPr>
+            <p:ph type="title"/>
+          </p:nvPr>
+        </p:nvSpPr>
+        <p:spPr/>
+        <p:txBody>
+          <a:bodyPr/>
+          <a:lstStyle/>
+          <a:p>
+            <a:r>
+              <a:rPr lang="en-US" dirty="0">
+                <a:solidFill>
+                  <a:schemeClr val="tx1"/>
+                </a:solidFill>
+              </a:rPr>
+              <a:t>Table of Contents</a:t>
+            </a:r>
+            <a:endParaRPr lang="en-US" dirty="0"/>
+          </a:p>
+        </p:txBody>
+      </p:sp>
+      <p:sp>
+        <p:nvSpPr>
+          <p:cNvPr id="4" name="Rectangle 3"/>
+          <p:cNvSpPr/>
+          <p:nvPr/>
+        </p:nvSpPr>
+        <p:spPr>
+          <a:xfrm>
+            <a:off x="1143000" y="1752600"/>
+            <a:ext cx="7239000" cy="4524315"/>
+          </a:xfrm>
+          <a:prstGeom prst="rect">
+            <a:avLst/>
+          </a:prstGeom>
+        </p:spPr>
+        <p:txBody>
+          <a:bodyPr wrap="square">
+            <a:spAutoFit/>
+          </a:bodyPr>
+          <a:lstStyle/>
+          <a:p>
+            <a:pPr marL="514350" indent="-514350">
+              <a:buClr>
+                <a:srgbClr val="C00000"/>
+              </a:buClr>
+              <a:buFont typeface="+mj-lt"/>
+              <a:buAutoNum type="arabicPeriod"/>
+            </a:pPr>
+            <a:r>
+              <a:rPr lang="en-US" sz="3200" b="1" dirty="0" smtClean="0">
+                <a:solidFill>
+                  <a:schemeClr val="tx1"/>
+                </a:solidFill>
+              </a:rPr>
+              <a:t>Motivation</a:t>
+            </a:r>
+          </a:p>
+          <a:p>
+            <a:pPr marL="514350" indent="-514350">
+              <a:buClr>
+                <a:srgbClr val="C00000"/>
+              </a:buClr>
+              <a:buFont typeface="+mj-lt"/>
+              <a:buAutoNum type="arabicPeriod"/>
+            </a:pPr>
+            <a:r>
+              <a:rPr lang="en-US" altLang="zh-CN" sz="3200" b="1" dirty="0" smtClean="0">
+                <a:solidFill>
+                  <a:schemeClr val="tx1"/>
+                </a:solidFill>
+              </a:rPr>
+              <a:t>Related </a:t>
+            </a:r>
+            <a:r>
+              <a:rPr lang="en-US" sz="3200" b="1" dirty="0" smtClean="0">
+                <a:solidFill>
+                  <a:schemeClr val="tx1"/>
+                </a:solidFill>
+              </a:rPr>
+              <a:t>Work</a:t>
+            </a:r>
+          </a:p>
+          <a:p>
+            <a:pPr marL="514350" indent="-514350">
+              <a:buClr>
+                <a:srgbClr val="C00000"/>
+              </a:buClr>
+              <a:buFont typeface="+mj-lt"/>
+              <a:buAutoNum type="arabicPeriod"/>
+            </a:pPr>
+            <a:r>
+              <a:rPr lang="en-US" altLang="zh-CN" sz="3200" b="1" dirty="0" smtClean="0">
+                <a:solidFill>
+                  <a:schemeClr val="tx1"/>
+                </a:solidFill>
+              </a:rPr>
+              <a:t>Problem </a:t>
+            </a:r>
+            <a:r>
+              <a:rPr lang="en-US" sz="3200" b="1" dirty="0" smtClean="0">
+                <a:solidFill>
+                  <a:schemeClr val="tx1"/>
+                </a:solidFill>
+              </a:rPr>
+              <a:t>Definition</a:t>
+            </a:r>
+          </a:p>
+          <a:p>
+            <a:pPr marL="514350" indent="-514350">
+              <a:buClr>
+                <a:srgbClr val="C00000"/>
+              </a:buClr>
+              <a:buFont typeface="+mj-lt"/>
+              <a:buAutoNum type="arabicPeriod"/>
+            </a:pPr>
+            <a:r>
+              <a:rPr lang="en-US" sz="3200" b="1" dirty="0">
+                <a:solidFill>
+                  <a:schemeClr val="tx1"/>
+                </a:solidFill>
+              </a:rPr>
+              <a:t>System </a:t>
+            </a:r>
+            <a:r>
+              <a:rPr lang="en-US" sz="3200" b="1" dirty="0" smtClean="0">
+                <a:solidFill>
+                  <a:schemeClr val="tx1"/>
+                </a:solidFill>
+              </a:rPr>
+              <a:t>Overview</a:t>
+            </a:r>
+          </a:p>
+          <a:p>
+            <a:pPr marL="514350" indent="-514350">
+              <a:buClr>
+                <a:srgbClr val="C00000"/>
+              </a:buClr>
+              <a:buFont typeface="+mj-lt"/>
+              <a:buAutoNum type="arabicPeriod"/>
+            </a:pPr>
+            <a:r>
+              <a:rPr lang="en-US" sz="3200" b="1" dirty="0" smtClean="0">
+                <a:solidFill>
+                  <a:schemeClr val="tx1"/>
+                </a:solidFill>
+              </a:rPr>
+              <a:t>Information Extraction</a:t>
+            </a:r>
+          </a:p>
+          <a:p>
+            <a:pPr marL="514350" indent="-514350">
+              <a:buClr>
+                <a:srgbClr val="C00000"/>
+              </a:buClr>
+              <a:buFont typeface="+mj-lt"/>
+              <a:buAutoNum type="arabicPeriod"/>
+            </a:pPr>
+            <a:r>
+              <a:rPr lang="en-US" sz="3200" b="1" dirty="0" smtClean="0">
+                <a:solidFill>
+                  <a:schemeClr val="tx1"/>
+                </a:solidFill>
+              </a:rPr>
+              <a:t>Ontology Similarity</a:t>
+            </a:r>
+          </a:p>
+          <a:p>
+            <a:pPr marL="514350" indent="-514350">
+              <a:buClr>
+                <a:srgbClr val="C00000"/>
+              </a:buClr>
+              <a:buFont typeface="+mj-lt"/>
+              <a:buAutoNum type="arabicPeriod"/>
+            </a:pPr>
+            <a:r>
+              <a:rPr lang="en-US" sz="3200" b="1" dirty="0">
+                <a:solidFill>
+                  <a:srgbClr val="FF0000"/>
+                </a:solidFill>
+              </a:rPr>
+              <a:t>Ontology </a:t>
+            </a:r>
+            <a:r>
+              <a:rPr lang="en-US" sz="3200" b="1" dirty="0" smtClean="0">
+                <a:solidFill>
+                  <a:srgbClr val="FF0000"/>
+                </a:solidFill>
+              </a:rPr>
+              <a:t>Construction</a:t>
+            </a:r>
+          </a:p>
+          <a:p>
+            <a:pPr marL="514350" indent="-514350">
+              <a:buClr>
+                <a:srgbClr val="C00000"/>
+              </a:buClr>
+              <a:buFont typeface="+mj-lt"/>
+              <a:buAutoNum type="arabicPeriod"/>
+            </a:pPr>
+            <a:r>
+              <a:rPr lang="en-US" sz="3200" b="1" dirty="0">
+                <a:solidFill>
+                  <a:schemeClr val="tx1"/>
+                </a:solidFill>
+              </a:rPr>
+              <a:t>Model </a:t>
+            </a:r>
+            <a:r>
+              <a:rPr lang="en-US" sz="3200" b="1" dirty="0" smtClean="0">
+                <a:solidFill>
+                  <a:schemeClr val="tx1"/>
+                </a:solidFill>
+              </a:rPr>
+              <a:t>Similarity</a:t>
+            </a:r>
+            <a:endParaRPr lang="en-US" sz="3200" b="1" dirty="0" smtClean="0">
+              <a:solidFill>
+                <a:srgbClr val="FF0000"/>
+              </a:solidFill>
+            </a:endParaRPr>
+          </a:p>
+          <a:p>
+            <a:pPr marL="514350" indent="-514350">
+              <a:buClr>
+                <a:srgbClr val="C00000"/>
+              </a:buClr>
+              <a:buFont typeface="+mj-lt"/>
+              <a:buAutoNum type="arabicPeriod"/>
+            </a:pPr>
+            <a:r>
+              <a:rPr lang="en-US" sz="3200" b="1" dirty="0" smtClean="0">
+                <a:solidFill>
+                  <a:schemeClr val="tx1"/>
+                </a:solidFill>
+              </a:rPr>
+              <a:t>E</a:t>
+            </a:r>
+            <a:r>
+              <a:rPr lang="en-US" altLang="zh-CN" sz="3200" b="1" dirty="0" smtClean="0">
+                <a:solidFill>
+                  <a:schemeClr val="tx1"/>
+                </a:solidFill>
+              </a:rPr>
+              <a:t>valuation </a:t>
+            </a:r>
+            <a:endParaRPr lang="en-US" sz="3200" b="1" dirty="0">
+              <a:solidFill>
+                <a:schemeClr val="tx1"/>
+              </a:solidFill>
+            </a:endParaRPr>
+          </a:p>
+        </p:txBody>
+      </p:sp>
+    </p:spTree>
+    <p:extLst>
+      <p:ext uri="{BB962C8B-B14F-4D97-AF65-F5344CB8AC3E}">
+        <p14:creationId xmlns:p14="http://schemas.microsoft.com/office/powerpoint/2010/main" val="2515386811"/>
+      </p:ext>
+    </p:extLst>
+  </p:cSld>
+  <p:clrMapOvr>
+    <a:masterClrMapping/>
+  </p:clrMapOvr>
   <p:timing>
     <p:tnLst>
       <p:par>
@@ -20874,7 +20887,7 @@
       </p:grpSpPr>
       <p:sp>
         <p:nvSpPr>
-          <p:cNvPr id="3" name="Title 2"/>
+          <p:cNvPr id="2" name="Title 1"/>
           <p:cNvSpPr>
             <a:spLocks noGrp="1"/>
           </p:cNvSpPr>
@@ -20888,12 +20901,8 @@
           <a:lstStyle/>
           <a:p>
             <a:r>
-              <a:rPr lang="en-US" dirty="0">
-                <a:solidFill>
-                  <a:schemeClr val="tx1"/>
-                </a:solidFill>
-              </a:rPr>
-              <a:t>Table of Contents</a:t>
+              <a:rPr lang="en-US" dirty="0" smtClean="0"/>
+              <a:t>Problem Definition</a:t>
             </a:r>
             <a:endParaRPr lang="en-US" dirty="0"/>
           </a:p>
@@ -20901,254 +20910,37 @@
       </p:sp>
       <p:sp>
         <p:nvSpPr>
-          <p:cNvPr id="4" name="Rectangle 3"/>
-          <p:cNvSpPr/>
-          <p:nvPr/>
+          <p:cNvPr id="3" name="Content Placeholder 2"/>
+          <p:cNvSpPr>
+            <a:spLocks noGrp="1"/>
+          </p:cNvSpPr>
+          <p:nvPr>
+            <p:ph idx="1"/>
+          </p:nvPr>
         </p:nvSpPr>
-        <p:spPr>
-          <a:xfrm>
-            <a:off x="1143000" y="1752600"/>
-            <a:ext cx="7239000" cy="4524315"/>
-          </a:xfrm>
-          <a:prstGeom prst="rect">
-            <a:avLst/>
-          </a:prstGeom>
-        </p:spPr>
+        <p:spPr/>
         <p:txBody>
-          <a:bodyPr wrap="square">
-            <a:spAutoFit/>
-          </a:bodyPr>
+          <a:bodyPr/>
           <a:lstStyle/>
           <a:p>
-            <a:pPr marL="514350" indent="-514350">
-              <a:buClr>
-                <a:srgbClr val="C00000"/>
-              </a:buClr>
-              <a:buFont typeface="+mj-lt"/>
-              <a:buAutoNum type="arabicPeriod"/>
-            </a:pPr>
-            <a:r>
-              <a:rPr lang="en-US" sz="3200" b="1" dirty="0" smtClean="0">
-                <a:solidFill>
-                  <a:schemeClr val="tx1"/>
-                </a:solidFill>
-              </a:rPr>
-              <a:t>Motivation</a:t>
-            </a:r>
-          </a:p>
-          <a:p>
-            <a:pPr marL="514350" indent="-514350">
-              <a:buClr>
-                <a:srgbClr val="C00000"/>
-              </a:buClr>
-              <a:buFont typeface="+mj-lt"/>
-              <a:buAutoNum type="arabicPeriod"/>
-            </a:pPr>
-            <a:r>
-              <a:rPr lang="en-US" altLang="zh-CN" sz="3200" b="1" dirty="0" smtClean="0">
-                <a:solidFill>
-                  <a:schemeClr val="tx1"/>
-                </a:solidFill>
-              </a:rPr>
-              <a:t>Related </a:t>
-            </a:r>
-            <a:r>
-              <a:rPr lang="en-US" sz="3200" b="1" dirty="0" smtClean="0">
-                <a:solidFill>
-                  <a:schemeClr val="tx1"/>
-                </a:solidFill>
-              </a:rPr>
-              <a:t>Work</a:t>
-            </a:r>
-          </a:p>
-          <a:p>
-            <a:pPr marL="514350" indent="-514350">
-              <a:buClr>
-                <a:srgbClr val="C00000"/>
-              </a:buClr>
-              <a:buFont typeface="+mj-lt"/>
-              <a:buAutoNum type="arabicPeriod"/>
-            </a:pPr>
-            <a:r>
-              <a:rPr lang="en-US" altLang="zh-CN" sz="3200" b="1" dirty="0" smtClean="0">
-                <a:solidFill>
-                  <a:schemeClr val="tx1"/>
-                </a:solidFill>
-              </a:rPr>
-              <a:t>Problem </a:t>
-            </a:r>
-            <a:r>
-              <a:rPr lang="en-US" sz="3200" b="1" dirty="0" smtClean="0">
-                <a:solidFill>
-                  <a:schemeClr val="tx1"/>
-                </a:solidFill>
-              </a:rPr>
-              <a:t>Definition</a:t>
-            </a:r>
-          </a:p>
-          <a:p>
-            <a:pPr marL="514350" indent="-514350">
-              <a:buClr>
-                <a:srgbClr val="C00000"/>
-              </a:buClr>
-              <a:buFont typeface="+mj-lt"/>
-              <a:buAutoNum type="arabicPeriod"/>
-            </a:pPr>
-            <a:r>
-              <a:rPr lang="en-US" sz="3200" b="1" dirty="0">
-                <a:solidFill>
-                  <a:schemeClr val="tx1"/>
-                </a:solidFill>
-              </a:rPr>
-              <a:t>System </a:t>
-            </a:r>
-            <a:r>
-              <a:rPr lang="en-US" sz="3200" b="1" dirty="0" smtClean="0">
-                <a:solidFill>
-                  <a:schemeClr val="tx1"/>
-                </a:solidFill>
-              </a:rPr>
-              <a:t>Overview</a:t>
-            </a:r>
-          </a:p>
-          <a:p>
-            <a:pPr marL="514350" indent="-514350">
-              <a:buClr>
-                <a:srgbClr val="C00000"/>
-              </a:buClr>
-              <a:buFont typeface="+mj-lt"/>
-              <a:buAutoNum type="arabicPeriod"/>
-            </a:pPr>
-            <a:r>
-              <a:rPr lang="en-US" sz="3200" b="1" dirty="0" smtClean="0">
-                <a:solidFill>
-                  <a:schemeClr val="tx1"/>
-                </a:solidFill>
-              </a:rPr>
-              <a:t>Information Extraction</a:t>
-            </a:r>
-          </a:p>
-          <a:p>
-            <a:pPr marL="514350" indent="-514350">
-              <a:buClr>
-                <a:srgbClr val="C00000"/>
-              </a:buClr>
-              <a:buFont typeface="+mj-lt"/>
-              <a:buAutoNum type="arabicPeriod"/>
-            </a:pPr>
-            <a:r>
-              <a:rPr lang="en-US" sz="3200" b="1" dirty="0" smtClean="0">
-                <a:solidFill>
-                  <a:schemeClr val="tx1"/>
-                </a:solidFill>
-              </a:rPr>
-              <a:t>Ontology Similarity</a:t>
-            </a:r>
-          </a:p>
-          <a:p>
-            <a:pPr marL="514350" indent="-514350">
-              <a:buClr>
-                <a:srgbClr val="C00000"/>
-              </a:buClr>
-              <a:buFont typeface="+mj-lt"/>
-              <a:buAutoNum type="arabicPeriod"/>
-            </a:pPr>
-            <a:r>
-              <a:rPr lang="en-US" sz="3200" b="1" dirty="0">
-                <a:solidFill>
-                  <a:srgbClr val="FF0000"/>
-                </a:solidFill>
-              </a:rPr>
-              <a:t>Ontology </a:t>
-            </a:r>
-            <a:r>
-              <a:rPr lang="en-US" sz="3200" b="1" dirty="0" smtClean="0">
-                <a:solidFill>
-                  <a:srgbClr val="FF0000"/>
-                </a:solidFill>
-              </a:rPr>
-              <a:t>Construction</a:t>
-            </a:r>
-          </a:p>
-          <a:p>
-            <a:pPr marL="514350" indent="-514350">
-              <a:buClr>
-                <a:srgbClr val="C00000"/>
-              </a:buClr>
-              <a:buFont typeface="+mj-lt"/>
-              <a:buAutoNum type="arabicPeriod"/>
-            </a:pPr>
-            <a:r>
-              <a:rPr lang="en-US" sz="3200" b="1" dirty="0">
-                <a:solidFill>
-                  <a:schemeClr val="tx1"/>
-                </a:solidFill>
-              </a:rPr>
-              <a:t>Model </a:t>
-            </a:r>
-            <a:r>
-              <a:rPr lang="en-US" sz="3200" b="1" dirty="0" smtClean="0">
-                <a:solidFill>
-                  <a:schemeClr val="tx1"/>
-                </a:solidFill>
-              </a:rPr>
-              <a:t>Similarity</a:t>
-            </a:r>
-            <a:endParaRPr lang="en-US" sz="3200" b="1" dirty="0" smtClean="0">
-              <a:solidFill>
-                <a:srgbClr val="FF0000"/>
-              </a:solidFill>
-            </a:endParaRPr>
-          </a:p>
-          <a:p>
-            <a:pPr marL="514350" indent="-514350">
-              <a:buClr>
-                <a:srgbClr val="C00000"/>
-              </a:buClr>
-              <a:buFont typeface="+mj-lt"/>
-              <a:buAutoNum type="arabicPeriod"/>
-            </a:pPr>
-            <a:r>
-              <a:rPr lang="en-US" sz="3200" b="1" dirty="0" smtClean="0">
-                <a:solidFill>
-                  <a:schemeClr val="tx1"/>
-                </a:solidFill>
-              </a:rPr>
-              <a:t>E</a:t>
-            </a:r>
-            <a:r>
-              <a:rPr lang="en-US" altLang="zh-CN" sz="3200" b="1" dirty="0" smtClean="0">
-                <a:solidFill>
-                  <a:schemeClr val="tx1"/>
-                </a:solidFill>
-              </a:rPr>
-              <a:t>valuation </a:t>
-            </a:r>
-            <a:endParaRPr lang="en-US" sz="3200" b="1" dirty="0">
-              <a:solidFill>
-                <a:schemeClr val="tx1"/>
-              </a:solidFill>
-            </a:endParaRPr>
+            <a:r>
+              <a:rPr lang="en-US" dirty="0" smtClean="0"/>
+              <a:t>How can we construct our ontology as automatically as possible</a:t>
+            </a:r>
+            <a:endParaRPr lang="en-US" dirty="0"/>
           </a:p>
         </p:txBody>
       </p:sp>
     </p:spTree>
     <p:extLst>
       <p:ext uri="{BB962C8B-B14F-4D97-AF65-F5344CB8AC3E}">
-        <p14:creationId xmlns:p14="http://schemas.microsoft.com/office/powerpoint/2010/main" val="2515386811"/>
+        <p14:creationId xmlns:p14="http://schemas.microsoft.com/office/powerpoint/2010/main" val="234273615"/>
       </p:ext>
     </p:extLst>
   </p:cSld>
   <p:clrMapOvr>
     <a:masterClrMapping/>
   </p:clrMapOvr>
-  <p:timing>
-    <p:tnLst>
-      <p:par>
-        <p:cTn id="1" dur="indefinite" restart="never" nodeType="tmRoot"/>
-      </p:par>
-    </p:tnLst>
-  </p:timing>
 </p:sld>
 </file>
 
@@ -21169,45 +20961,150 @@
           <a:chExt cx="0" cy="0"/>
         </a:xfrm>
       </p:grpSpPr>
-      <p:pic>
-        <p:nvPicPr>
-          <p:cNvPr id="4" name="Content Placeholder 3"/>
-          <p:cNvPicPr>
-            <a:picLocks noGrp="1" noChangeAspect="1"/>
-          </p:cNvPicPr>
+      <p:sp>
+        <p:nvSpPr>
+          <p:cNvPr id="2" name="Content Placeholder 1"/>
+          <p:cNvSpPr>
+            <a:spLocks noGrp="1"/>
+          </p:cNvSpPr>
           <p:nvPr>
             <p:ph idx="1"/>
           </p:nvPr>
-        </p:nvPicPr>
-        <p:blipFill>
-          <a:blip r:embed="rId2">
-            <a:extLst>
-              <a:ext uri="{28A0092B-C50C-407E-A947-70E740481C1C}">
-                <a14:useLocalDpi xmlns:a14="http://schemas.microsoft.com/office/drawing/2010/main" val="0"/>
-              </a:ext>
-            </a:extLst>
-          </a:blip>
-          <a:stretch>
-            <a:fillRect/>
-          </a:stretch>
-        </p:blipFill>
+        </p:nvSpPr>
         <p:spPr>
           <a:xfrm>
-            <a:off x="0" y="380999"/>
-            <a:ext cx="9144000" cy="6787387"/>
+            <a:off x="609600" y="2133600"/>
+            <a:ext cx="8228013" cy="4191000"/>
           </a:xfrm>
         </p:spPr>
-      </p:pic>
+        <p:txBody>
+          <a:bodyPr/>
+          <a:lstStyle/>
+          <a:p>
+            <a:pPr marL="514350" indent="-514350">
+              <a:buClr>
+                <a:srgbClr val="C00000"/>
+              </a:buClr>
+              <a:buFont typeface="+mj-lt"/>
+              <a:buAutoNum type="arabicPeriod"/>
+            </a:pPr>
+            <a:r>
+              <a:rPr lang="en-US" sz="2400" dirty="0" smtClean="0"/>
+              <a:t>A </a:t>
+            </a:r>
+            <a:r>
+              <a:rPr lang="en-US" sz="2400" dirty="0"/>
+              <a:t>high-level language such as Java, Groovy, Ruby or Python; we use Java and Groovy extensively</a:t>
+            </a:r>
+          </a:p>
+          <a:p>
+            <a:pPr marL="457200" indent="-457200">
+              <a:buClr>
+                <a:srgbClr val="C00000"/>
+              </a:buClr>
+              <a:buFont typeface="+mj-lt"/>
+              <a:buAutoNum type="arabicPeriod"/>
+            </a:pPr>
+            <a:endParaRPr lang="en-US" sz="2400" dirty="0"/>
+          </a:p>
+          <a:p>
+            <a:pPr marL="457200" indent="-457200">
+              <a:buClr>
+                <a:srgbClr val="C00000"/>
+              </a:buClr>
+              <a:buFont typeface="+mj-lt"/>
+              <a:buAutoNum type="arabicPeriod"/>
+            </a:pPr>
+            <a:r>
+              <a:rPr lang="en-US" sz="2400" dirty="0"/>
+              <a:t>HTML5/CSS3/JavaScript, web standards, jQuery or frameworks like </a:t>
+            </a:r>
+            <a:r>
+              <a:rPr lang="en-US" sz="2400" dirty="0" err="1"/>
+              <a:t>AngularJS</a:t>
+            </a:r>
+            <a:r>
+              <a:rPr lang="en-US" sz="2400" dirty="0"/>
+              <a:t> would be great</a:t>
+            </a:r>
+          </a:p>
+          <a:p>
+            <a:pPr marL="457200" indent="-457200">
+              <a:buClr>
+                <a:srgbClr val="C00000"/>
+              </a:buClr>
+              <a:buFont typeface="+mj-lt"/>
+              <a:buAutoNum type="arabicPeriod"/>
+            </a:pPr>
+            <a:endParaRPr lang="en-US" sz="2400" dirty="0"/>
+          </a:p>
+          <a:p>
+            <a:pPr marL="457200" indent="-457200">
+              <a:buClr>
+                <a:srgbClr val="C00000"/>
+              </a:buClr>
+              <a:buFont typeface="+mj-lt"/>
+              <a:buAutoNum type="arabicPeriod"/>
+            </a:pPr>
+            <a:r>
+              <a:rPr lang="en-US" sz="2400" dirty="0"/>
+              <a:t>HTML CSS and </a:t>
+            </a:r>
+            <a:r>
+              <a:rPr lang="en-US" sz="2400" dirty="0" err="1"/>
+              <a:t>Javascript</a:t>
+            </a:r>
+            <a:r>
+              <a:rPr lang="en-US" sz="2400" dirty="0"/>
+              <a:t> a must 4. Experience with AJAX, XML, XSL, XSLT, CSS, JavaScript, JQuery, HTML and Web Services</a:t>
+            </a:r>
+          </a:p>
+          <a:p>
+            <a:endParaRPr lang="en-US" dirty="0"/>
+          </a:p>
+          <a:p>
+            <a:endParaRPr lang="en-US" dirty="0"/>
+          </a:p>
+        </p:txBody>
+      </p:sp>
       <p:sp>
         <p:nvSpPr>
-          <p:cNvPr id="5" name="Rectangle 4"/>
+          <p:cNvPr id="3" name="Title 2"/>
+          <p:cNvSpPr>
+            <a:spLocks noGrp="1"/>
+          </p:cNvSpPr>
+          <p:nvPr>
+            <p:ph type="title"/>
+          </p:nvPr>
+        </p:nvSpPr>
+        <p:spPr>
+          <a:xfrm>
+            <a:off x="457200" y="609600"/>
+            <a:ext cx="8075613" cy="994172"/>
+          </a:xfrm>
+        </p:spPr>
+        <p:txBody>
+          <a:bodyPr/>
+          <a:lstStyle/>
+          <a:p>
+            <a:r>
+              <a:rPr lang="en-US" dirty="0" smtClean="0"/>
+              <a:t>Example Skill Sentences</a:t>
+            </a:r>
+            <a:endParaRPr lang="en-US" dirty="0"/>
+          </a:p>
+        </p:txBody>
+      </p:sp>
+      <p:sp>
+        <p:nvSpPr>
+          <p:cNvPr id="4" name="Rectangle 3"/>
           <p:cNvSpPr/>
           <p:nvPr/>
         </p:nvSpPr>
         <p:spPr>
           <a:xfrm>
-            <a:off x="6096000" y="-76200"/>
-            <a:ext cx="2752677" cy="461665"/>
+            <a:off x="5562600" y="-50442"/>
+            <a:ext cx="3231975" cy="461665"/>
           </a:xfrm>
           <a:prstGeom prst="rect">
             <a:avLst/>
@@ -21220,21 +21117,16 @@
           <a:lstStyle/>
           <a:p>
             <a:r>
-              <a:rPr lang="en-US"/>
-              <a:t>Ontology </a:t>
-            </a:r>
-            <a:r>
-              <a:rPr lang="en-US" smtClean="0"/>
-              <a:t>Similarity</a:t>
-            </a:r>
-            <a:endParaRPr lang="en-US"/>
+              <a:rPr lang="en-US" dirty="0"/>
+              <a:t>Ontology Construction</a:t>
+            </a:r>
           </a:p>
         </p:txBody>
       </p:sp>
     </p:spTree>
     <p:extLst>
       <p:ext uri="{BB962C8B-B14F-4D97-AF65-F5344CB8AC3E}">
-        <p14:creationId xmlns:p14="http://schemas.microsoft.com/office/powerpoint/2010/main" val="2609138191"/>
+        <p14:creationId xmlns:p14="http://schemas.microsoft.com/office/powerpoint/2010/main" val="5236157"/>
       </p:ext>
     </p:extLst>
   </p:cSld>
@@ -21278,289 +21170,6 @@
       </p:grpSpPr>
       <p:sp>
         <p:nvSpPr>
-          <p:cNvPr id="2" name="Title 1"/>
-          <p:cNvSpPr>
-            <a:spLocks noGrp="1"/>
-          </p:cNvSpPr>
-          <p:nvPr>
-            <p:ph type="title"/>
-          </p:nvPr>
-        </p:nvSpPr>
-        <p:spPr/>
-        <p:txBody>
-          <a:bodyPr/>
-          <a:lstStyle/>
-          <a:p>
-            <a:r>
-              <a:rPr lang="en-US" dirty="0" smtClean="0"/>
-              <a:t>Problem Definition</a:t>
-            </a:r>
-            <a:endParaRPr lang="en-US" dirty="0"/>
-          </a:p>
-        </p:txBody>
-      </p:sp>
-      <p:sp>
-        <p:nvSpPr>
-          <p:cNvPr id="3" name="Content Placeholder 2"/>
-          <p:cNvSpPr>
-            <a:spLocks noGrp="1"/>
-          </p:cNvSpPr>
-          <p:nvPr>
-            <p:ph idx="1"/>
-          </p:nvPr>
-        </p:nvSpPr>
-        <p:spPr/>
-        <p:txBody>
-          <a:bodyPr/>
-          <a:lstStyle/>
-          <a:p>
-            <a:r>
-              <a:rPr lang="en-US" dirty="0" smtClean="0"/>
-              <a:t>How can we construct our ontology as automatically as possible</a:t>
-            </a:r>
-            <a:endParaRPr lang="en-US" dirty="0"/>
-          </a:p>
-        </p:txBody>
-      </p:sp>
-    </p:spTree>
-    <p:extLst>
-      <p:ext uri="{BB962C8B-B14F-4D97-AF65-F5344CB8AC3E}">
-        <p14:creationId xmlns:p14="http://schemas.microsoft.com/office/powerpoint/2010/main" val="234273615"/>
-      </p:ext>
-    </p:extLst>
-  </p:cSld>
-  <p:clrMapOvr>
-    <a:masterClrMapping/>
-  </p:clrMapOvr>
-</p:sld>
-</file>
-
-<file path=ppt/slides/slide53.xml><?xml version="1.0" encoding="utf-8"?>
-<p:sld xmlns:a="http://schemas.openxmlformats.org/drawingml/2006/main" xmlns:r="http://schemas.openxmlformats.org/officeDocument/2006/relationships" xmlns:p="http://schemas.openxmlformats.org/presentationml/2006/main">
-  <p:cSld>
-    <p:spTree>
-      <p:nvGrpSpPr>
-        <p:cNvPr id="1" name=""/>
-        <p:cNvGrpSpPr/>
-        <p:nvPr/>
-      </p:nvGrpSpPr>
-      <p:grpSpPr>
-        <a:xfrm>
-          <a:off x="0" y="0"/>
-          <a:ext cx="0" cy="0"/>
-          <a:chOff x="0" y="0"/>
-          <a:chExt cx="0" cy="0"/>
-        </a:xfrm>
-      </p:grpSpPr>
-      <p:sp>
-        <p:nvSpPr>
-          <p:cNvPr id="2" name="Content Placeholder 1"/>
-          <p:cNvSpPr>
-            <a:spLocks noGrp="1"/>
-          </p:cNvSpPr>
-          <p:nvPr>
-            <p:ph idx="1"/>
-          </p:nvPr>
-        </p:nvSpPr>
-        <p:spPr>
-          <a:xfrm>
-            <a:off x="609600" y="2133600"/>
-            <a:ext cx="8228013" cy="4191000"/>
-          </a:xfrm>
-        </p:spPr>
-        <p:txBody>
-          <a:bodyPr/>
-          <a:lstStyle/>
-          <a:p>
-            <a:pPr marL="514350" indent="-514350">
-              <a:buClr>
-                <a:srgbClr val="C00000"/>
-              </a:buClr>
-              <a:buFont typeface="+mj-lt"/>
-              <a:buAutoNum type="arabicPeriod"/>
-            </a:pPr>
-            <a:r>
-              <a:rPr lang="en-US" sz="2400" dirty="0" smtClean="0"/>
-              <a:t>A </a:t>
-            </a:r>
-            <a:r>
-              <a:rPr lang="en-US" sz="2400" dirty="0"/>
-              <a:t>high-level language such as Java, Groovy, Ruby or Python; we use Java and Groovy extensively</a:t>
-            </a:r>
-          </a:p>
-          <a:p>
-            <a:pPr marL="457200" indent="-457200">
-              <a:buClr>
-                <a:srgbClr val="C00000"/>
-              </a:buClr>
-              <a:buFont typeface="+mj-lt"/>
-              <a:buAutoNum type="arabicPeriod"/>
-            </a:pPr>
-            <a:endParaRPr lang="en-US" sz="2400" dirty="0"/>
-          </a:p>
-          <a:p>
-            <a:pPr marL="457200" indent="-457200">
-              <a:buClr>
-                <a:srgbClr val="C00000"/>
-              </a:buClr>
-              <a:buFont typeface="+mj-lt"/>
-              <a:buAutoNum type="arabicPeriod"/>
-            </a:pPr>
-            <a:r>
-              <a:rPr lang="en-US" sz="2400" dirty="0"/>
-              <a:t>HTML5/CSS3/JavaScript, web standards, jQuery or frameworks like </a:t>
-            </a:r>
-            <a:r>
-              <a:rPr lang="en-US" sz="2400" dirty="0" err="1"/>
-              <a:t>AngularJS</a:t>
-            </a:r>
-            <a:r>
-              <a:rPr lang="en-US" sz="2400" dirty="0"/>
-              <a:t> would be great</a:t>
-            </a:r>
-          </a:p>
-          <a:p>
-            <a:pPr marL="457200" indent="-457200">
-              <a:buClr>
-                <a:srgbClr val="C00000"/>
-              </a:buClr>
-              <a:buFont typeface="+mj-lt"/>
-              <a:buAutoNum type="arabicPeriod"/>
-            </a:pPr>
-            <a:endParaRPr lang="en-US" sz="2400" dirty="0"/>
-          </a:p>
-          <a:p>
-            <a:pPr marL="457200" indent="-457200">
-              <a:buClr>
-                <a:srgbClr val="C00000"/>
-              </a:buClr>
-              <a:buFont typeface="+mj-lt"/>
-              <a:buAutoNum type="arabicPeriod"/>
-            </a:pPr>
-            <a:r>
-              <a:rPr lang="en-US" sz="2400" dirty="0"/>
-              <a:t>HTML CSS and </a:t>
-            </a:r>
-            <a:r>
-              <a:rPr lang="en-US" sz="2400" dirty="0" err="1"/>
-              <a:t>Javascript</a:t>
-            </a:r>
-            <a:r>
-              <a:rPr lang="en-US" sz="2400" dirty="0"/>
-              <a:t> a must 4. Experience with AJAX, XML, XSL, XSLT, CSS, JavaScript, JQuery, HTML and Web Services</a:t>
-            </a:r>
-          </a:p>
-          <a:p>
-            <a:endParaRPr lang="en-US" dirty="0"/>
-          </a:p>
-          <a:p>
-            <a:endParaRPr lang="en-US" dirty="0"/>
-          </a:p>
-        </p:txBody>
-      </p:sp>
-      <p:sp>
-        <p:nvSpPr>
-          <p:cNvPr id="3" name="Title 2"/>
-          <p:cNvSpPr>
-            <a:spLocks noGrp="1"/>
-          </p:cNvSpPr>
-          <p:nvPr>
-            <p:ph type="title"/>
-          </p:nvPr>
-        </p:nvSpPr>
-        <p:spPr>
-          <a:xfrm>
-            <a:off x="457200" y="609600"/>
-            <a:ext cx="8075613" cy="994172"/>
-          </a:xfrm>
-        </p:spPr>
-        <p:txBody>
-          <a:bodyPr/>
-          <a:lstStyle/>
-          <a:p>
-            <a:r>
-              <a:rPr lang="en-US" dirty="0" smtClean="0"/>
-              <a:t>Example Skill Sentences</a:t>
-            </a:r>
-            <a:endParaRPr lang="en-US" dirty="0"/>
-          </a:p>
-        </p:txBody>
-      </p:sp>
-      <p:sp>
-        <p:nvSpPr>
-          <p:cNvPr id="4" name="Rectangle 3"/>
-          <p:cNvSpPr/>
-          <p:nvPr/>
-        </p:nvSpPr>
-        <p:spPr>
-          <a:xfrm>
-            <a:off x="5562600" y="-50442"/>
-            <a:ext cx="3231975" cy="461665"/>
-          </a:xfrm>
-          <a:prstGeom prst="rect">
-            <a:avLst/>
-          </a:prstGeom>
-        </p:spPr>
-        <p:txBody>
-          <a:bodyPr wrap="none">
-            <a:spAutoFit/>
-          </a:bodyPr>
-          <a:lstStyle/>
-          <a:p>
-            <a:r>
-              <a:rPr lang="en-US" dirty="0"/>
-              <a:t>Ontology Construction</a:t>
-            </a:r>
-          </a:p>
-        </p:txBody>
-      </p:sp>
-    </p:spTree>
-    <p:extLst>
-      <p:ext uri="{BB962C8B-B14F-4D97-AF65-F5344CB8AC3E}">
-        <p14:creationId xmlns:p14="http://schemas.microsoft.com/office/powerpoint/2010/main" val="5236157"/>
-      </p:ext>
-    </p:extLst>
-  </p:cSld>
-  <p:clrMapOvr>
-    <a:masterClrMapping/>
-  </p:clrMapOvr>
-  <mc:AlternateContent xmlns:mc="http://schemas.openxmlformats.org/markup-compatibility/2006" xmlns:p14="http://schemas.microsoft.com/office/powerpoint/2010/main">
-    <mc:Choice Requires="p14">
-      <p:transition spd="slow" p14:dur="2000"/>
-    </mc:Choice>
-    <mc:Fallback xmlns="">
-      <p:transition spd="slow"/>
-    </mc:Fallback>
-  </mc:AlternateContent>
-  <p:timing>
-    <p:tnLst>
-      <p:par>
-        <p:cTn id="1" dur="indefinite" restart="never" nodeType="tmRoot"/>
-      </p:par>
-    </p:tnLst>
-  </p:timing>
-</p:sld>
-</file>
-
-<file path=ppt/slides/slide54.xml><?xml version="1.0" encoding="utf-8"?>
-<p:sld xmlns:a="http://schemas.openxmlformats.org/drawingml/2006/main" xmlns:r="http://schemas.openxmlformats.org/officeDocument/2006/relationships" xmlns:p="http://schemas.openxmlformats.org/presentationml/2006/main">
-  <p:cSld>
-    <p:spTree>
-      <p:nvGrpSpPr>
-        <p:cNvPr id="1" name=""/>
-        <p:cNvGrpSpPr/>
-        <p:nvPr/>
-      </p:nvGrpSpPr>
-      <p:grpSpPr>
-        <a:xfrm>
-          <a:off x="0" y="0"/>
-          <a:ext cx="0" cy="0"/>
-          <a:chOff x="0" y="0"/>
-          <a:chExt cx="0" cy="0"/>
-        </a:xfrm>
-      </p:grpSpPr>
-      <p:sp>
-        <p:nvSpPr>
           <p:cNvPr id="2" name="Content Placeholder 1"/>
           <p:cNvSpPr>
             <a:spLocks noGrp="1"/>
@@ -21788,7 +21397,7 @@
 </p:sld>
 </file>
 
-<file path=ppt/slides/slide55.xml><?xml version="1.0" encoding="utf-8"?>
+<file path=ppt/slides/slide53.xml><?xml version="1.0" encoding="utf-8"?>
 <p:sld xmlns:a="http://schemas.openxmlformats.org/drawingml/2006/main" xmlns:r="http://schemas.openxmlformats.org/officeDocument/2006/relationships" xmlns:p="http://schemas.openxmlformats.org/presentationml/2006/main">
   <p:cSld>
     <p:spTree>
@@ -22002,7 +21611,7 @@
 </p:sld>
 </file>
 
-<file path=ppt/slides/slide56.xml><?xml version="1.0" encoding="utf-8"?>
+<file path=ppt/slides/slide54.xml><?xml version="1.0" encoding="utf-8"?>
 <p:sld xmlns:a="http://schemas.openxmlformats.org/drawingml/2006/main" xmlns:r="http://schemas.openxmlformats.org/officeDocument/2006/relationships" xmlns:p="http://schemas.openxmlformats.org/presentationml/2006/main">
   <p:cSld>
     <p:spTree>
@@ -22161,7 +21770,7 @@
 </p:sld>
 </file>
 
-<file path=ppt/slides/slide57.xml><?xml version="1.0" encoding="utf-8"?>
+<file path=ppt/slides/slide55.xml><?xml version="1.0" encoding="utf-8"?>
 <p:sld xmlns:a="http://schemas.openxmlformats.org/drawingml/2006/main" xmlns:r="http://schemas.openxmlformats.org/officeDocument/2006/relationships" xmlns:p="http://schemas.openxmlformats.org/presentationml/2006/main">
   <p:cSld>
     <p:spTree>
@@ -22377,7 +21986,7 @@
 </p:sld>
 </file>
 
-<file path=ppt/slides/slide58.xml><?xml version="1.0" encoding="utf-8"?>
+<file path=ppt/slides/slide56.xml><?xml version="1.0" encoding="utf-8"?>
 <p:sld xmlns:a="http://schemas.openxmlformats.org/drawingml/2006/main" xmlns:r="http://schemas.openxmlformats.org/officeDocument/2006/relationships" xmlns:p="http://schemas.openxmlformats.org/presentationml/2006/main">
   <p:cSld>
     <p:spTree>
@@ -22661,7 +22270,7 @@
 </p:sld>
 </file>
 
-<file path=ppt/slides/slide59.xml><?xml version="1.0" encoding="utf-8"?>
+<file path=ppt/slides/slide57.xml><?xml version="1.0" encoding="utf-8"?>
 <p:sld xmlns:a="http://schemas.openxmlformats.org/drawingml/2006/main" xmlns:r="http://schemas.openxmlformats.org/officeDocument/2006/relationships" xmlns:p="http://schemas.openxmlformats.org/presentationml/2006/main">
   <p:cSld>
     <p:spTree>
@@ -23174,462 +22783,7 @@
 </p:sld>
 </file>
 
-<file path=ppt/slides/slide6.xml><?xml version="1.0" encoding="utf-8"?>
-<p:sld xmlns:a="http://schemas.openxmlformats.org/drawingml/2006/main" xmlns:r="http://schemas.openxmlformats.org/officeDocument/2006/relationships" xmlns:p="http://schemas.openxmlformats.org/presentationml/2006/main">
-  <p:cSld>
-    <p:spTree>
-      <p:nvGrpSpPr>
-        <p:cNvPr id="1" name=""/>
-        <p:cNvGrpSpPr/>
-        <p:nvPr/>
-      </p:nvGrpSpPr>
-      <p:grpSpPr>
-        <a:xfrm>
-          <a:off x="0" y="0"/>
-          <a:ext cx="0" cy="0"/>
-          <a:chOff x="0" y="0"/>
-          <a:chExt cx="0" cy="0"/>
-        </a:xfrm>
-      </p:grpSpPr>
-      <p:sp>
-        <p:nvSpPr>
-          <p:cNvPr id="9" name="Rectangle 8"/>
-          <p:cNvSpPr/>
-          <p:nvPr/>
-        </p:nvSpPr>
-        <p:spPr bwMode="auto">
-          <a:xfrm>
-            <a:off x="3957063" y="1774930"/>
-            <a:ext cx="4926935" cy="4473470"/>
-          </a:xfrm>
-          <a:prstGeom prst="rect">
-            <a:avLst/>
-          </a:prstGeom>
-          <a:solidFill>
-            <a:schemeClr val="bg1"/>
-          </a:solidFill>
-          <a:ln w="9525" cap="flat" cmpd="sng" algn="ctr">
-            <a:solidFill>
-              <a:schemeClr val="tx1"/>
-            </a:solidFill>
-            <a:prstDash val="solid"/>
-            <a:round/>
-            <a:headEnd type="none" w="med" len="med"/>
-            <a:tailEnd type="none" w="med" len="med"/>
-          </a:ln>
-          <a:effectLst/>
-          <a:extLst>
-            <a:ext uri="{AF507438-7753-43e0-B8FC-AC1667EBCBE1}">
-              <a14:hiddenEffects xmlns:a14="http://schemas.microsoft.com/office/drawing/2010/main" xmlns="">
-                <a:effectLst>
-                  <a:outerShdw blurRad="63500" dist="38099" dir="2700000" algn="ctr" rotWithShape="0">
-                    <a:schemeClr val="bg2">
-                      <a:alpha val="74998"/>
-                    </a:schemeClr>
-                  </a:outerShdw>
-                </a:effectLst>
-              </a14:hiddenEffects>
-            </a:ext>
-          </a:extLst>
-        </p:spPr>
-        <p:txBody>
-          <a:bodyPr vert="horz" wrap="square" lIns="91440" tIns="45720" rIns="91440" bIns="45720" numCol="1" rtlCol="0" anchor="t" anchorCtr="0" compatLnSpc="1">
-            <a:prstTxWarp prst="textNoShape">
-              <a:avLst/>
-            </a:prstTxWarp>
-          </a:bodyPr>
-          <a:lstStyle/>
-          <a:p>
-            <a:pPr marL="0" marR="0" indent="0" algn="l" defTabSz="457200" rtl="0" eaLnBrk="1" fontAlgn="base" latinLnBrk="0" hangingPunct="1">
-              <a:lnSpc>
-                <a:spcPct val="100000"/>
-              </a:lnSpc>
-              <a:spcBef>
-                <a:spcPct val="0"/>
-              </a:spcBef>
-              <a:spcAft>
-                <a:spcPct val="0"/>
-              </a:spcAft>
-              <a:buClr>
-                <a:srgbClr val="000000"/>
-              </a:buClr>
-              <a:buSzPct val="100000"/>
-              <a:buFont typeface="Times New Roman" charset="0"/>
-              <a:buNone/>
-              <a:tabLst/>
-            </a:pPr>
-            <a:endParaRPr kumimoji="0" lang="en-US" sz="2400" b="0" i="0" u="none" strike="noStrike" cap="none" normalizeH="0" baseline="0">
-              <a:ln>
-                <a:noFill/>
-              </a:ln>
-              <a:solidFill>
-                <a:schemeClr val="bg1"/>
-              </a:solidFill>
-              <a:effectLst/>
-              <a:latin typeface="Arial" charset="0"/>
-              <a:ea typeface="ＭＳ Ｐゴシック" charset="0"/>
-              <a:cs typeface="ＭＳ Ｐゴシック" charset="0"/>
-            </a:endParaRPr>
-          </a:p>
-        </p:txBody>
-      </p:sp>
-      <p:sp>
-        <p:nvSpPr>
-          <p:cNvPr id="8" name="Rectangle 7"/>
-          <p:cNvSpPr/>
-          <p:nvPr/>
-        </p:nvSpPr>
-        <p:spPr bwMode="auto">
-          <a:xfrm>
-            <a:off x="90584" y="1802412"/>
-            <a:ext cx="3109816" cy="4141188"/>
-          </a:xfrm>
-          <a:prstGeom prst="rect">
-            <a:avLst/>
-          </a:prstGeom>
-          <a:solidFill>
-            <a:schemeClr val="bg1"/>
-          </a:solidFill>
-          <a:ln w="9525" cap="flat" cmpd="sng" algn="ctr">
-            <a:solidFill>
-              <a:schemeClr val="tx1"/>
-            </a:solidFill>
-            <a:prstDash val="solid"/>
-            <a:round/>
-            <a:headEnd type="none" w="med" len="med"/>
-            <a:tailEnd type="none" w="med" len="med"/>
-          </a:ln>
-          <a:effectLst/>
-          <a:extLst>
-            <a:ext uri="{AF507438-7753-43e0-B8FC-AC1667EBCBE1}">
-              <a14:hiddenEffects xmlns:a14="http://schemas.microsoft.com/office/drawing/2010/main" xmlns="">
-                <a:effectLst>
-                  <a:outerShdw blurRad="63500" dist="38099" dir="2700000" algn="ctr" rotWithShape="0">
-                    <a:schemeClr val="bg2">
-                      <a:alpha val="74998"/>
-                    </a:schemeClr>
-                  </a:outerShdw>
-                </a:effectLst>
-              </a14:hiddenEffects>
-            </a:ext>
-          </a:extLst>
-        </p:spPr>
-        <p:txBody>
-          <a:bodyPr vert="horz" wrap="square" lIns="91440" tIns="45720" rIns="91440" bIns="45720" numCol="1" rtlCol="0" anchor="t" anchorCtr="0" compatLnSpc="1">
-            <a:prstTxWarp prst="textNoShape">
-              <a:avLst/>
-            </a:prstTxWarp>
-          </a:bodyPr>
-          <a:lstStyle/>
-          <a:p>
-            <a:pPr marL="0" marR="0" indent="0" algn="l" defTabSz="457200" rtl="0" eaLnBrk="1" fontAlgn="base" latinLnBrk="0" hangingPunct="1">
-              <a:lnSpc>
-                <a:spcPct val="100000"/>
-              </a:lnSpc>
-              <a:spcBef>
-                <a:spcPct val="0"/>
-              </a:spcBef>
-              <a:spcAft>
-                <a:spcPct val="0"/>
-              </a:spcAft>
-              <a:buClr>
-                <a:srgbClr val="000000"/>
-              </a:buClr>
-              <a:buSzPct val="100000"/>
-              <a:buFont typeface="Times New Roman" charset="0"/>
-              <a:buNone/>
-              <a:tabLst/>
-            </a:pPr>
-            <a:endParaRPr kumimoji="0" lang="en-US" sz="2400" b="0" i="0" u="none" strike="noStrike" cap="none" normalizeH="0" baseline="0">
-              <a:ln>
-                <a:noFill/>
-              </a:ln>
-              <a:solidFill>
-                <a:schemeClr val="bg1"/>
-              </a:solidFill>
-              <a:effectLst/>
-              <a:latin typeface="Arial" charset="0"/>
-              <a:ea typeface="ＭＳ Ｐゴシック" charset="0"/>
-              <a:cs typeface="ＭＳ Ｐゴシック" charset="0"/>
-            </a:endParaRPr>
-          </a:p>
-        </p:txBody>
-      </p:sp>
-      <p:sp>
-        <p:nvSpPr>
-          <p:cNvPr id="3" name="Title 2"/>
-          <p:cNvSpPr>
-            <a:spLocks noGrp="1"/>
-          </p:cNvSpPr>
-          <p:nvPr>
-            <p:ph type="title"/>
-          </p:nvPr>
-        </p:nvSpPr>
-        <p:spPr>
-          <a:xfrm>
-            <a:off x="589227" y="572574"/>
-            <a:ext cx="6772275" cy="994172"/>
-          </a:xfrm>
-        </p:spPr>
-        <p:txBody>
-          <a:bodyPr/>
-          <a:lstStyle/>
-          <a:p>
-            <a:r>
-              <a:rPr lang="en-US" dirty="0" smtClean="0"/>
-              <a:t>Screenshot of Our System</a:t>
-            </a:r>
-            <a:endParaRPr lang="en-US" dirty="0"/>
-          </a:p>
-        </p:txBody>
-      </p:sp>
-      <p:sp>
-        <p:nvSpPr>
-          <p:cNvPr id="6" name="左右箭头 16"/>
-          <p:cNvSpPr/>
-          <p:nvPr/>
-        </p:nvSpPr>
-        <p:spPr>
-          <a:xfrm>
-            <a:off x="3200400" y="3604323"/>
-            <a:ext cx="722499" cy="281877"/>
-          </a:xfrm>
-          <a:prstGeom prst="leftRightArrow">
-            <a:avLst/>
-          </a:prstGeom>
-        </p:spPr>
-        <p:style>
-          <a:lnRef idx="2">
-            <a:schemeClr val="accent1">
-              <a:shade val="50000"/>
-            </a:schemeClr>
-          </a:lnRef>
-          <a:fillRef idx="1">
-            <a:schemeClr val="accent1"/>
-          </a:fillRef>
-          <a:effectRef idx="0">
-            <a:schemeClr val="accent1"/>
-          </a:effectRef>
-          <a:fontRef idx="minor">
-            <a:schemeClr val="lt1"/>
-          </a:fontRef>
-        </p:style>
-        <p:txBody>
-          <a:bodyPr rtlCol="0" anchor="ctr"/>
-          <a:lstStyle/>
-          <a:p>
-            <a:pPr algn="ctr"/>
-            <a:endParaRPr lang="en-US" sz="1800"/>
-          </a:p>
-        </p:txBody>
-      </p:sp>
-      <p:pic>
-        <p:nvPicPr>
-          <p:cNvPr id="7" name="Picture 6"/>
-          <p:cNvPicPr>
-            <a:picLocks noChangeAspect="1"/>
-          </p:cNvPicPr>
-          <p:nvPr/>
-        </p:nvPicPr>
-        <p:blipFill>
-          <a:blip r:embed="rId2"/>
-          <a:stretch>
-            <a:fillRect/>
-          </a:stretch>
-        </p:blipFill>
-        <p:spPr>
-          <a:xfrm>
-            <a:off x="3975365" y="1802412"/>
-            <a:ext cx="4908634" cy="3988788"/>
-          </a:xfrm>
-          <a:prstGeom prst="rect">
-            <a:avLst/>
-          </a:prstGeom>
-        </p:spPr>
-      </p:pic>
-      <p:pic>
-        <p:nvPicPr>
-          <p:cNvPr id="1026" name="Picture 2" descr="http://img.bestsampleresume.com/img1/Software-Developer-Resume.gif"/>
-          <p:cNvPicPr>
-            <a:picLocks noChangeAspect="1" noChangeArrowheads="1"/>
-          </p:cNvPicPr>
-          <p:nvPr/>
-        </p:nvPicPr>
-        <p:blipFill>
-          <a:blip r:embed="rId3">
-            <a:extLst>
-              <a:ext uri="{28A0092B-C50C-407E-A947-70E740481C1C}">
-                <a14:useLocalDpi xmlns:a14="http://schemas.microsoft.com/office/drawing/2010/main" val="0"/>
-              </a:ext>
-            </a:extLst>
-          </a:blip>
-          <a:srcRect/>
-          <a:stretch>
-            <a:fillRect/>
-          </a:stretch>
-        </p:blipFill>
-        <p:spPr bwMode="auto">
-          <a:xfrm>
-            <a:off x="159459" y="1905387"/>
-            <a:ext cx="2903193" cy="3885813"/>
-          </a:xfrm>
-          <a:prstGeom prst="rect">
-            <a:avLst/>
-          </a:prstGeom>
-          <a:noFill/>
-          <a:extLst>
-            <a:ext uri="{909E8E84-426E-40dd-AFC4-6F175D3DCCD1}">
-              <a14:hiddenFill xmlns:a14="http://schemas.microsoft.com/office/drawing/2010/main" xmlns="">
-                <a:solidFill>
-                  <a:srgbClr val="FFFFFF"/>
-                </a:solidFill>
-              </a14:hiddenFill>
-            </a:ext>
-          </a:extLst>
-        </p:spPr>
-      </p:pic>
-      <p:sp>
-        <p:nvSpPr>
-          <p:cNvPr id="10" name="Rectangle 9"/>
-          <p:cNvSpPr/>
-          <p:nvPr/>
-        </p:nvSpPr>
-        <p:spPr>
-          <a:xfrm>
-            <a:off x="7170816" y="-50850"/>
-            <a:ext cx="1588897" cy="461665"/>
-          </a:xfrm>
-          <a:prstGeom prst="rect">
-            <a:avLst/>
-          </a:prstGeom>
-        </p:spPr>
-        <p:txBody>
-          <a:bodyPr wrap="none">
-            <a:spAutoFit/>
-          </a:bodyPr>
-          <a:lstStyle/>
-          <a:p>
-            <a:r>
-              <a:rPr lang="en-US" altLang="zh-CN" dirty="0" smtClean="0"/>
-              <a:t>Motivation</a:t>
-            </a:r>
-            <a:endParaRPr lang="en-US" dirty="0"/>
-          </a:p>
-        </p:txBody>
-      </p:sp>
-      <p:sp>
-        <p:nvSpPr>
-          <p:cNvPr id="2" name="Oval 1"/>
-          <p:cNvSpPr/>
-          <p:nvPr/>
-        </p:nvSpPr>
-        <p:spPr bwMode="auto">
-          <a:xfrm>
-            <a:off x="8305800" y="1981200"/>
-            <a:ext cx="578198" cy="457200"/>
-          </a:xfrm>
-          <a:prstGeom prst="ellipse">
-            <a:avLst/>
-          </a:prstGeom>
-          <a:solidFill>
-            <a:srgbClr val="00B8FF">
-              <a:alpha val="0"/>
-            </a:srgbClr>
-          </a:solidFill>
-          <a:ln w="9525" cap="flat" cmpd="sng" algn="ctr">
-            <a:solidFill>
-              <a:srgbClr val="FF0000"/>
-            </a:solidFill>
-            <a:prstDash val="solid"/>
-            <a:round/>
-            <a:headEnd type="none" w="med" len="med"/>
-            <a:tailEnd type="none" w="med" len="med"/>
-          </a:ln>
-          <a:effectLst/>
-          <a:extLst>
-            <a:ext uri="{AF507438-7753-43e0-B8FC-AC1667EBCBE1}">
-              <a14:hiddenEffects xmlns:a14="http://schemas.microsoft.com/office/drawing/2010/main" xmlns="">
-                <a:effectLst>
-                  <a:outerShdw blurRad="63500" dist="38099" dir="2700000" algn="ctr" rotWithShape="0">
-                    <a:schemeClr val="bg2">
-                      <a:alpha val="74998"/>
-                    </a:schemeClr>
-                  </a:outerShdw>
-                </a:effectLst>
-              </a14:hiddenEffects>
-            </a:ext>
-          </a:extLst>
-        </p:spPr>
-        <p:txBody>
-          <a:bodyPr vert="horz" wrap="square" lIns="91440" tIns="45720" rIns="91440" bIns="45720" numCol="1" rtlCol="0" anchor="t" anchorCtr="0" compatLnSpc="1">
-            <a:prstTxWarp prst="textNoShape">
-              <a:avLst/>
-            </a:prstTxWarp>
-          </a:bodyPr>
-          <a:lstStyle/>
-          <a:p>
-            <a:pPr marL="0" marR="0" indent="0" algn="l" defTabSz="457200" rtl="0" eaLnBrk="1" fontAlgn="base" latinLnBrk="0" hangingPunct="1">
-              <a:lnSpc>
-                <a:spcPct val="100000"/>
-              </a:lnSpc>
-              <a:spcBef>
-                <a:spcPct val="0"/>
-              </a:spcBef>
-              <a:spcAft>
-                <a:spcPct val="0"/>
-              </a:spcAft>
-              <a:buClr>
-                <a:srgbClr val="000000"/>
-              </a:buClr>
-              <a:buSzPct val="100000"/>
-              <a:buFont typeface="Times New Roman" charset="0"/>
-              <a:buNone/>
-              <a:tabLst/>
-            </a:pPr>
-            <a:endParaRPr kumimoji="0" lang="en-US" sz="2400" b="0" i="0" u="none" strike="noStrike" cap="none" normalizeH="0" baseline="0">
-              <a:ln>
-                <a:noFill/>
-              </a:ln>
-              <a:solidFill>
-                <a:schemeClr val="bg1"/>
-              </a:solidFill>
-              <a:effectLst/>
-              <a:latin typeface="Arial" charset="0"/>
-              <a:ea typeface="ＭＳ Ｐゴシック" charset="0"/>
-              <a:cs typeface="ＭＳ Ｐゴシック" charset="0"/>
-            </a:endParaRPr>
-          </a:p>
-        </p:txBody>
-      </p:sp>
-    </p:spTree>
-    <p:extLst>
-      <p:ext uri="{BB962C8B-B14F-4D97-AF65-F5344CB8AC3E}">
-        <p14:creationId xmlns:p14="http://schemas.microsoft.com/office/powerpoint/2010/main" val="1649117609"/>
-      </p:ext>
-    </p:extLst>
-  </p:cSld>
-  <p:clrMapOvr>
-    <a:masterClrMapping/>
-  </p:clrMapOvr>
-  <mc:AlternateContent xmlns:mc="http://schemas.openxmlformats.org/markup-compatibility/2006" xmlns:p14="http://schemas.microsoft.com/office/powerpoint/2010/main">
-    <mc:Choice Requires="p14">
-      <p:transition spd="slow" p14:dur="2000"/>
-    </mc:Choice>
-    <mc:Fallback xmlns="">
-      <p:transition spd="slow"/>
-    </mc:Fallback>
-  </mc:AlternateContent>
-  <p:timing>
-    <p:tnLst>
-      <p:par>
-        <p:cTn id="1" dur="indefinite" restart="never" nodeType="tmRoot"/>
-      </p:par>
-    </p:tnLst>
-  </p:timing>
-</p:sld>
-</file>
-
-<file path=ppt/slides/slide60.xml><?xml version="1.0" encoding="utf-8"?>
+<file path=ppt/slides/slide58.xml><?xml version="1.0" encoding="utf-8"?>
 <p:sld xmlns:a="http://schemas.openxmlformats.org/drawingml/2006/main" xmlns:r="http://schemas.openxmlformats.org/officeDocument/2006/relationships" xmlns:p="http://schemas.openxmlformats.org/presentationml/2006/main">
   <p:cSld>
     <p:spTree>
@@ -24086,7 +23240,7 @@
 </p:sld>
 </file>
 
-<file path=ppt/slides/slide61.xml><?xml version="1.0" encoding="utf-8"?>
+<file path=ppt/slides/slide59.xml><?xml version="1.0" encoding="utf-8"?>
 <p:sld xmlns:a="http://schemas.openxmlformats.org/drawingml/2006/main" xmlns:r="http://schemas.openxmlformats.org/officeDocument/2006/relationships" xmlns:p="http://schemas.openxmlformats.org/presentationml/2006/main">
   <p:cSld>
     <p:spTree>
@@ -24609,7 +23763,462 @@
 </p:sld>
 </file>
 
-<file path=ppt/slides/slide62.xml><?xml version="1.0" encoding="utf-8"?>
+<file path=ppt/slides/slide6.xml><?xml version="1.0" encoding="utf-8"?>
+<p:sld xmlns:a="http://schemas.openxmlformats.org/drawingml/2006/main" xmlns:r="http://schemas.openxmlformats.org/officeDocument/2006/relationships" xmlns:p="http://schemas.openxmlformats.org/presentationml/2006/main">
+  <p:cSld>
+    <p:spTree>
+      <p:nvGrpSpPr>
+        <p:cNvPr id="1" name=""/>
+        <p:cNvGrpSpPr/>
+        <p:nvPr/>
+      </p:nvGrpSpPr>
+      <p:grpSpPr>
+        <a:xfrm>
+          <a:off x="0" y="0"/>
+          <a:ext cx="0" cy="0"/>
+          <a:chOff x="0" y="0"/>
+          <a:chExt cx="0" cy="0"/>
+        </a:xfrm>
+      </p:grpSpPr>
+      <p:sp>
+        <p:nvSpPr>
+          <p:cNvPr id="9" name="Rectangle 8"/>
+          <p:cNvSpPr/>
+          <p:nvPr/>
+        </p:nvSpPr>
+        <p:spPr bwMode="auto">
+          <a:xfrm>
+            <a:off x="3957063" y="1774930"/>
+            <a:ext cx="4926935" cy="4473470"/>
+          </a:xfrm>
+          <a:prstGeom prst="rect">
+            <a:avLst/>
+          </a:prstGeom>
+          <a:solidFill>
+            <a:schemeClr val="bg1"/>
+          </a:solidFill>
+          <a:ln w="9525" cap="flat" cmpd="sng" algn="ctr">
+            <a:solidFill>
+              <a:schemeClr val="tx1"/>
+            </a:solidFill>
+            <a:prstDash val="solid"/>
+            <a:round/>
+            <a:headEnd type="none" w="med" len="med"/>
+            <a:tailEnd type="none" w="med" len="med"/>
+          </a:ln>
+          <a:effectLst/>
+          <a:extLst>
+            <a:ext uri="{AF507438-7753-43e0-B8FC-AC1667EBCBE1}">
+              <a14:hiddenEffects xmlns:a14="http://schemas.microsoft.com/office/drawing/2010/main" xmlns="">
+                <a:effectLst>
+                  <a:outerShdw blurRad="63500" dist="38099" dir="2700000" algn="ctr" rotWithShape="0">
+                    <a:schemeClr val="bg2">
+                      <a:alpha val="74998"/>
+                    </a:schemeClr>
+                  </a:outerShdw>
+                </a:effectLst>
+              </a14:hiddenEffects>
+            </a:ext>
+          </a:extLst>
+        </p:spPr>
+        <p:txBody>
+          <a:bodyPr vert="horz" wrap="square" lIns="91440" tIns="45720" rIns="91440" bIns="45720" numCol="1" rtlCol="0" anchor="t" anchorCtr="0" compatLnSpc="1">
+            <a:prstTxWarp prst="textNoShape">
+              <a:avLst/>
+            </a:prstTxWarp>
+          </a:bodyPr>
+          <a:lstStyle/>
+          <a:p>
+            <a:pPr marL="0" marR="0" indent="0" algn="l" defTabSz="457200" rtl="0" eaLnBrk="1" fontAlgn="base" latinLnBrk="0" hangingPunct="1">
+              <a:lnSpc>
+                <a:spcPct val="100000"/>
+              </a:lnSpc>
+              <a:spcBef>
+                <a:spcPct val="0"/>
+              </a:spcBef>
+              <a:spcAft>
+                <a:spcPct val="0"/>
+              </a:spcAft>
+              <a:buClr>
+                <a:srgbClr val="000000"/>
+              </a:buClr>
+              <a:buSzPct val="100000"/>
+              <a:buFont typeface="Times New Roman" charset="0"/>
+              <a:buNone/>
+              <a:tabLst/>
+            </a:pPr>
+            <a:endParaRPr kumimoji="0" lang="en-US" sz="2400" b="0" i="0" u="none" strike="noStrike" cap="none" normalizeH="0" baseline="0">
+              <a:ln>
+                <a:noFill/>
+              </a:ln>
+              <a:solidFill>
+                <a:schemeClr val="bg1"/>
+              </a:solidFill>
+              <a:effectLst/>
+              <a:latin typeface="Arial" charset="0"/>
+              <a:ea typeface="ＭＳ Ｐゴシック" charset="0"/>
+              <a:cs typeface="ＭＳ Ｐゴシック" charset="0"/>
+            </a:endParaRPr>
+          </a:p>
+        </p:txBody>
+      </p:sp>
+      <p:sp>
+        <p:nvSpPr>
+          <p:cNvPr id="8" name="Rectangle 7"/>
+          <p:cNvSpPr/>
+          <p:nvPr/>
+        </p:nvSpPr>
+        <p:spPr bwMode="auto">
+          <a:xfrm>
+            <a:off x="90584" y="1802412"/>
+            <a:ext cx="3109816" cy="4141188"/>
+          </a:xfrm>
+          <a:prstGeom prst="rect">
+            <a:avLst/>
+          </a:prstGeom>
+          <a:solidFill>
+            <a:schemeClr val="bg1"/>
+          </a:solidFill>
+          <a:ln w="9525" cap="flat" cmpd="sng" algn="ctr">
+            <a:solidFill>
+              <a:schemeClr val="tx1"/>
+            </a:solidFill>
+            <a:prstDash val="solid"/>
+            <a:round/>
+            <a:headEnd type="none" w="med" len="med"/>
+            <a:tailEnd type="none" w="med" len="med"/>
+          </a:ln>
+          <a:effectLst/>
+          <a:extLst>
+            <a:ext uri="{AF507438-7753-43e0-B8FC-AC1667EBCBE1}">
+              <a14:hiddenEffects xmlns:a14="http://schemas.microsoft.com/office/drawing/2010/main" xmlns="">
+                <a:effectLst>
+                  <a:outerShdw blurRad="63500" dist="38099" dir="2700000" algn="ctr" rotWithShape="0">
+                    <a:schemeClr val="bg2">
+                      <a:alpha val="74998"/>
+                    </a:schemeClr>
+                  </a:outerShdw>
+                </a:effectLst>
+              </a14:hiddenEffects>
+            </a:ext>
+          </a:extLst>
+        </p:spPr>
+        <p:txBody>
+          <a:bodyPr vert="horz" wrap="square" lIns="91440" tIns="45720" rIns="91440" bIns="45720" numCol="1" rtlCol="0" anchor="t" anchorCtr="0" compatLnSpc="1">
+            <a:prstTxWarp prst="textNoShape">
+              <a:avLst/>
+            </a:prstTxWarp>
+          </a:bodyPr>
+          <a:lstStyle/>
+          <a:p>
+            <a:pPr marL="0" marR="0" indent="0" algn="l" defTabSz="457200" rtl="0" eaLnBrk="1" fontAlgn="base" latinLnBrk="0" hangingPunct="1">
+              <a:lnSpc>
+                <a:spcPct val="100000"/>
+              </a:lnSpc>
+              <a:spcBef>
+                <a:spcPct val="0"/>
+              </a:spcBef>
+              <a:spcAft>
+                <a:spcPct val="0"/>
+              </a:spcAft>
+              <a:buClr>
+                <a:srgbClr val="000000"/>
+              </a:buClr>
+              <a:buSzPct val="100000"/>
+              <a:buFont typeface="Times New Roman" charset="0"/>
+              <a:buNone/>
+              <a:tabLst/>
+            </a:pPr>
+            <a:endParaRPr kumimoji="0" lang="en-US" sz="2400" b="0" i="0" u="none" strike="noStrike" cap="none" normalizeH="0" baseline="0">
+              <a:ln>
+                <a:noFill/>
+              </a:ln>
+              <a:solidFill>
+                <a:schemeClr val="bg1"/>
+              </a:solidFill>
+              <a:effectLst/>
+              <a:latin typeface="Arial" charset="0"/>
+              <a:ea typeface="ＭＳ Ｐゴシック" charset="0"/>
+              <a:cs typeface="ＭＳ Ｐゴシック" charset="0"/>
+            </a:endParaRPr>
+          </a:p>
+        </p:txBody>
+      </p:sp>
+      <p:sp>
+        <p:nvSpPr>
+          <p:cNvPr id="3" name="Title 2"/>
+          <p:cNvSpPr>
+            <a:spLocks noGrp="1"/>
+          </p:cNvSpPr>
+          <p:nvPr>
+            <p:ph type="title"/>
+          </p:nvPr>
+        </p:nvSpPr>
+        <p:spPr>
+          <a:xfrm>
+            <a:off x="589227" y="572574"/>
+            <a:ext cx="6772275" cy="994172"/>
+          </a:xfrm>
+        </p:spPr>
+        <p:txBody>
+          <a:bodyPr/>
+          <a:lstStyle/>
+          <a:p>
+            <a:r>
+              <a:rPr lang="en-US" dirty="0" smtClean="0"/>
+              <a:t>Screenshot of Our System</a:t>
+            </a:r>
+            <a:endParaRPr lang="en-US" dirty="0"/>
+          </a:p>
+        </p:txBody>
+      </p:sp>
+      <p:sp>
+        <p:nvSpPr>
+          <p:cNvPr id="6" name="左右箭头 16"/>
+          <p:cNvSpPr/>
+          <p:nvPr/>
+        </p:nvSpPr>
+        <p:spPr>
+          <a:xfrm>
+            <a:off x="3200400" y="3604323"/>
+            <a:ext cx="722499" cy="281877"/>
+          </a:xfrm>
+          <a:prstGeom prst="leftRightArrow">
+            <a:avLst/>
+          </a:prstGeom>
+        </p:spPr>
+        <p:style>
+          <a:lnRef idx="2">
+            <a:schemeClr val="accent1">
+              <a:shade val="50000"/>
+            </a:schemeClr>
+          </a:lnRef>
+          <a:fillRef idx="1">
+            <a:schemeClr val="accent1"/>
+          </a:fillRef>
+          <a:effectRef idx="0">
+            <a:schemeClr val="accent1"/>
+          </a:effectRef>
+          <a:fontRef idx="minor">
+            <a:schemeClr val="lt1"/>
+          </a:fontRef>
+        </p:style>
+        <p:txBody>
+          <a:bodyPr rtlCol="0" anchor="ctr"/>
+          <a:lstStyle/>
+          <a:p>
+            <a:pPr algn="ctr"/>
+            <a:endParaRPr lang="en-US" sz="1800"/>
+          </a:p>
+        </p:txBody>
+      </p:sp>
+      <p:pic>
+        <p:nvPicPr>
+          <p:cNvPr id="7" name="Picture 6"/>
+          <p:cNvPicPr>
+            <a:picLocks noChangeAspect="1"/>
+          </p:cNvPicPr>
+          <p:nvPr/>
+        </p:nvPicPr>
+        <p:blipFill>
+          <a:blip r:embed="rId2"/>
+          <a:stretch>
+            <a:fillRect/>
+          </a:stretch>
+        </p:blipFill>
+        <p:spPr>
+          <a:xfrm>
+            <a:off x="3975365" y="1802412"/>
+            <a:ext cx="4908634" cy="3988788"/>
+          </a:xfrm>
+          <a:prstGeom prst="rect">
+            <a:avLst/>
+          </a:prstGeom>
+        </p:spPr>
+      </p:pic>
+      <p:pic>
+        <p:nvPicPr>
+          <p:cNvPr id="1026" name="Picture 2" descr="http://img.bestsampleresume.com/img1/Software-Developer-Resume.gif"/>
+          <p:cNvPicPr>
+            <a:picLocks noChangeAspect="1" noChangeArrowheads="1"/>
+          </p:cNvPicPr>
+          <p:nvPr/>
+        </p:nvPicPr>
+        <p:blipFill>
+          <a:blip r:embed="rId3">
+            <a:extLst>
+              <a:ext uri="{28A0092B-C50C-407E-A947-70E740481C1C}">
+                <a14:useLocalDpi xmlns:a14="http://schemas.microsoft.com/office/drawing/2010/main" val="0"/>
+              </a:ext>
+            </a:extLst>
+          </a:blip>
+          <a:srcRect/>
+          <a:stretch>
+            <a:fillRect/>
+          </a:stretch>
+        </p:blipFill>
+        <p:spPr bwMode="auto">
+          <a:xfrm>
+            <a:off x="159459" y="1905387"/>
+            <a:ext cx="2903193" cy="3885813"/>
+          </a:xfrm>
+          <a:prstGeom prst="rect">
+            <a:avLst/>
+          </a:prstGeom>
+          <a:noFill/>
+          <a:extLst>
+            <a:ext uri="{909E8E84-426E-40dd-AFC4-6F175D3DCCD1}">
+              <a14:hiddenFill xmlns:a14="http://schemas.microsoft.com/office/drawing/2010/main" xmlns="">
+                <a:solidFill>
+                  <a:srgbClr val="FFFFFF"/>
+                </a:solidFill>
+              </a14:hiddenFill>
+            </a:ext>
+          </a:extLst>
+        </p:spPr>
+      </p:pic>
+      <p:sp>
+        <p:nvSpPr>
+          <p:cNvPr id="10" name="Rectangle 9"/>
+          <p:cNvSpPr/>
+          <p:nvPr/>
+        </p:nvSpPr>
+        <p:spPr>
+          <a:xfrm>
+            <a:off x="7170816" y="-50850"/>
+            <a:ext cx="1588897" cy="461665"/>
+          </a:xfrm>
+          <a:prstGeom prst="rect">
+            <a:avLst/>
+          </a:prstGeom>
+        </p:spPr>
+        <p:txBody>
+          <a:bodyPr wrap="none">
+            <a:spAutoFit/>
+          </a:bodyPr>
+          <a:lstStyle/>
+          <a:p>
+            <a:r>
+              <a:rPr lang="en-US" altLang="zh-CN" dirty="0" smtClean="0"/>
+              <a:t>Motivation</a:t>
+            </a:r>
+            <a:endParaRPr lang="en-US" dirty="0"/>
+          </a:p>
+        </p:txBody>
+      </p:sp>
+      <p:sp>
+        <p:nvSpPr>
+          <p:cNvPr id="2" name="Oval 1"/>
+          <p:cNvSpPr/>
+          <p:nvPr/>
+        </p:nvSpPr>
+        <p:spPr bwMode="auto">
+          <a:xfrm>
+            <a:off x="8305800" y="1981200"/>
+            <a:ext cx="578198" cy="457200"/>
+          </a:xfrm>
+          <a:prstGeom prst="ellipse">
+            <a:avLst/>
+          </a:prstGeom>
+          <a:solidFill>
+            <a:srgbClr val="00B8FF">
+              <a:alpha val="0"/>
+            </a:srgbClr>
+          </a:solidFill>
+          <a:ln w="9525" cap="flat" cmpd="sng" algn="ctr">
+            <a:solidFill>
+              <a:srgbClr val="FF0000"/>
+            </a:solidFill>
+            <a:prstDash val="solid"/>
+            <a:round/>
+            <a:headEnd type="none" w="med" len="med"/>
+            <a:tailEnd type="none" w="med" len="med"/>
+          </a:ln>
+          <a:effectLst/>
+          <a:extLst>
+            <a:ext uri="{AF507438-7753-43e0-B8FC-AC1667EBCBE1}">
+              <a14:hiddenEffects xmlns:a14="http://schemas.microsoft.com/office/drawing/2010/main" xmlns="">
+                <a:effectLst>
+                  <a:outerShdw blurRad="63500" dist="38099" dir="2700000" algn="ctr" rotWithShape="0">
+                    <a:schemeClr val="bg2">
+                      <a:alpha val="74998"/>
+                    </a:schemeClr>
+                  </a:outerShdw>
+                </a:effectLst>
+              </a14:hiddenEffects>
+            </a:ext>
+          </a:extLst>
+        </p:spPr>
+        <p:txBody>
+          <a:bodyPr vert="horz" wrap="square" lIns="91440" tIns="45720" rIns="91440" bIns="45720" numCol="1" rtlCol="0" anchor="t" anchorCtr="0" compatLnSpc="1">
+            <a:prstTxWarp prst="textNoShape">
+              <a:avLst/>
+            </a:prstTxWarp>
+          </a:bodyPr>
+          <a:lstStyle/>
+          <a:p>
+            <a:pPr marL="0" marR="0" indent="0" algn="l" defTabSz="457200" rtl="0" eaLnBrk="1" fontAlgn="base" latinLnBrk="0" hangingPunct="1">
+              <a:lnSpc>
+                <a:spcPct val="100000"/>
+              </a:lnSpc>
+              <a:spcBef>
+                <a:spcPct val="0"/>
+              </a:spcBef>
+              <a:spcAft>
+                <a:spcPct val="0"/>
+              </a:spcAft>
+              <a:buClr>
+                <a:srgbClr val="000000"/>
+              </a:buClr>
+              <a:buSzPct val="100000"/>
+              <a:buFont typeface="Times New Roman" charset="0"/>
+              <a:buNone/>
+              <a:tabLst/>
+            </a:pPr>
+            <a:endParaRPr kumimoji="0" lang="en-US" sz="2400" b="0" i="0" u="none" strike="noStrike" cap="none" normalizeH="0" baseline="0">
+              <a:ln>
+                <a:noFill/>
+              </a:ln>
+              <a:solidFill>
+                <a:schemeClr val="bg1"/>
+              </a:solidFill>
+              <a:effectLst/>
+              <a:latin typeface="Arial" charset="0"/>
+              <a:ea typeface="ＭＳ Ｐゴシック" charset="0"/>
+              <a:cs typeface="ＭＳ Ｐゴシック" charset="0"/>
+            </a:endParaRPr>
+          </a:p>
+        </p:txBody>
+      </p:sp>
+    </p:spTree>
+    <p:extLst>
+      <p:ext uri="{BB962C8B-B14F-4D97-AF65-F5344CB8AC3E}">
+        <p14:creationId xmlns:p14="http://schemas.microsoft.com/office/powerpoint/2010/main" val="1649117609"/>
+      </p:ext>
+    </p:extLst>
+  </p:cSld>
+  <p:clrMapOvr>
+    <a:masterClrMapping/>
+  </p:clrMapOvr>
+  <mc:AlternateContent xmlns:mc="http://schemas.openxmlformats.org/markup-compatibility/2006" xmlns:p14="http://schemas.microsoft.com/office/powerpoint/2010/main">
+    <mc:Choice Requires="p14">
+      <p:transition spd="slow" p14:dur="2000"/>
+    </mc:Choice>
+    <mc:Fallback xmlns="">
+      <p:transition spd="slow"/>
+    </mc:Fallback>
+  </mc:AlternateContent>
+  <p:timing>
+    <p:tnLst>
+      <p:par>
+        <p:cTn id="1" dur="indefinite" restart="never" nodeType="tmRoot"/>
+      </p:par>
+    </p:tnLst>
+  </p:timing>
+</p:sld>
+</file>
+
+<file path=ppt/slides/slide60.xml><?xml version="1.0" encoding="utf-8"?>
 <p:sld xmlns:a="http://schemas.openxmlformats.org/drawingml/2006/main" xmlns:r="http://schemas.openxmlformats.org/officeDocument/2006/relationships" xmlns:p="http://schemas.openxmlformats.org/presentationml/2006/main">
   <p:cSld>
     <p:spTree>
@@ -24907,7 +24516,7 @@
 </p:sld>
 </file>
 
-<file path=ppt/slides/slide63.xml><?xml version="1.0" encoding="utf-8"?>
+<file path=ppt/slides/slide61.xml><?xml version="1.0" encoding="utf-8"?>
 <p:sld xmlns:a="http://schemas.openxmlformats.org/drawingml/2006/main" xmlns:r="http://schemas.openxmlformats.org/officeDocument/2006/relationships" xmlns:p="http://schemas.openxmlformats.org/presentationml/2006/main">
   <p:cSld>
     <p:spTree>
@@ -24968,7 +24577,7 @@
         </p:nvSpPr>
         <p:spPr>
           <a:xfrm>
-            <a:off x="304800" y="3505201"/>
+            <a:off x="272349" y="4191306"/>
             <a:ext cx="8654647" cy="2590800"/>
           </a:xfrm>
         </p:spPr>
@@ -25108,8 +24717,8 @@
         </p:blipFill>
         <p:spPr>
           <a:xfrm>
-            <a:off x="609600" y="1809506"/>
-            <a:ext cx="7410450" cy="1428750"/>
+            <a:off x="685800" y="2743200"/>
+            <a:ext cx="6611223" cy="1274657"/>
           </a:xfrm>
           <a:prstGeom prst="rect">
             <a:avLst/>
@@ -25132,7 +24741,7 @@
         </p:blipFill>
         <p:spPr>
           <a:xfrm>
-            <a:off x="914400" y="3564535"/>
+            <a:off x="819149" y="4233430"/>
             <a:ext cx="508416" cy="415977"/>
           </a:xfrm>
           <a:prstGeom prst="rect">
@@ -25156,7 +24765,7 @@
         </p:blipFill>
         <p:spPr>
           <a:xfrm>
-            <a:off x="1159864" y="4642022"/>
+            <a:off x="1139620" y="5278717"/>
             <a:ext cx="508416" cy="415977"/>
           </a:xfrm>
           <a:prstGeom prst="rect">
@@ -25197,6 +24806,30 @@
           </a:p>
         </p:txBody>
       </p:sp>
+      <p:pic>
+        <p:nvPicPr>
+          <p:cNvPr id="7" name="Picture 6"/>
+          <p:cNvPicPr>
+            <a:picLocks noChangeAspect="1"/>
+          </p:cNvPicPr>
+          <p:nvPr/>
+        </p:nvPicPr>
+        <p:blipFill>
+          <a:blip r:embed="rId4"/>
+          <a:stretch>
+            <a:fillRect/>
+          </a:stretch>
+        </p:blipFill>
+        <p:spPr>
+          <a:xfrm>
+            <a:off x="685800" y="1608928"/>
+            <a:ext cx="6792446" cy="1015482"/>
+          </a:xfrm>
+          <a:prstGeom prst="rect">
+            <a:avLst/>
+          </a:prstGeom>
+        </p:spPr>
+      </p:pic>
     </p:spTree>
     <p:extLst>
       <p:ext uri="{BB962C8B-B14F-4D97-AF65-F5344CB8AC3E}">
@@ -25225,7 +24858,7 @@
 </p:sld>
 </file>
 
-<file path=ppt/slides/slide64.xml><?xml version="1.0" encoding="utf-8"?>
+<file path=ppt/slides/slide62.xml><?xml version="1.0" encoding="utf-8"?>
 <p:sld xmlns:a="http://schemas.openxmlformats.org/drawingml/2006/main" xmlns:r="http://schemas.openxmlformats.org/officeDocument/2006/relationships" xmlns:p="http://schemas.openxmlformats.org/presentationml/2006/main">
   <p:cSld>
     <p:spTree>
@@ -25509,7 +25142,7 @@
 </p:sld>
 </file>
 
-<file path=ppt/slides/slide65.xml><?xml version="1.0" encoding="utf-8"?>
+<file path=ppt/slides/slide63.xml><?xml version="1.0" encoding="utf-8"?>
 <p:sld xmlns:a="http://schemas.openxmlformats.org/drawingml/2006/main" xmlns:r="http://schemas.openxmlformats.org/officeDocument/2006/relationships" xmlns:p="http://schemas.openxmlformats.org/presentationml/2006/main">
   <p:cSld>
     <p:spTree>
@@ -25729,7 +25362,7 @@
           <p:nvPr>
             <p:extLst>
               <p:ext uri="{D42A27DB-BD31-4B8C-83A1-F6EECF244321}">
-                <p14:modId xmlns:p14="http://schemas.microsoft.com/office/powerpoint/2010/main" val="335628137"/>
+                <p14:modId xmlns:p14="http://schemas.microsoft.com/office/powerpoint/2010/main" val="1427786400"/>
               </p:ext>
             </p:extLst>
           </p:nvPr>
@@ -25885,10 +25518,18 @@
                     <a:lstStyle/>
                     <a:p>
                       <a:r>
-                        <a:rPr lang="en-US" altLang="zh-CN" sz="2400" dirty="0" smtClean="0"/>
+                        <a:rPr lang="en-US" altLang="zh-CN" sz="2400" dirty="0" smtClean="0">
+                          <a:solidFill>
+                            <a:srgbClr val="FF0000"/>
+                          </a:solidFill>
+                        </a:rPr>
                         <a:t>0.94</a:t>
                       </a:r>
-                      <a:endParaRPr lang="en-US" sz="2400" dirty="0"/>
+                      <a:endParaRPr lang="en-US" sz="2400" dirty="0">
+                        <a:solidFill>
+                          <a:srgbClr val="FF0000"/>
+                        </a:solidFill>
+                      </a:endParaRPr>
                     </a:p>
                   </a:txBody>
                   <a:tcPr>
@@ -25947,10 +25588,18 @@
                     <a:lstStyle/>
                     <a:p>
                       <a:r>
-                        <a:rPr lang="en-US" altLang="zh-CN" sz="2400" dirty="0" smtClean="0"/>
+                        <a:rPr lang="en-US" altLang="zh-CN" sz="2400" dirty="0" smtClean="0">
+                          <a:solidFill>
+                            <a:srgbClr val="FF0000"/>
+                          </a:solidFill>
+                        </a:rPr>
                         <a:t>0.85</a:t>
                       </a:r>
-                      <a:endParaRPr lang="en-US" sz="2400" dirty="0"/>
+                      <a:endParaRPr lang="en-US" sz="2400" dirty="0">
+                        <a:solidFill>
+                          <a:srgbClr val="FF0000"/>
+                        </a:solidFill>
+                      </a:endParaRPr>
                     </a:p>
                   </a:txBody>
                   <a:tcPr/>
@@ -26002,7 +25651,7 @@
 </p:sld>
 </file>
 
-<file path=ppt/slides/slide66.xml><?xml version="1.0" encoding="utf-8"?>
+<file path=ppt/slides/slide64.xml><?xml version="1.0" encoding="utf-8"?>
 <p:sld xmlns:a="http://schemas.openxmlformats.org/drawingml/2006/main" xmlns:r="http://schemas.openxmlformats.org/officeDocument/2006/relationships" xmlns:p="http://schemas.openxmlformats.org/presentationml/2006/main">
   <p:cSld>
     <p:spTree>
@@ -26474,7 +26123,7 @@
 </p:sld>
 </file>
 
-<file path=ppt/slides/slide67.xml><?xml version="1.0" encoding="utf-8"?>
+<file path=ppt/slides/slide65.xml><?xml version="1.0" encoding="utf-8"?>
 <p:sld xmlns:a="http://schemas.openxmlformats.org/drawingml/2006/main" xmlns:r="http://schemas.openxmlformats.org/officeDocument/2006/relationships" xmlns:p="http://schemas.openxmlformats.org/presentationml/2006/main">
   <p:cSld>
     <p:spTree>
@@ -26914,7 +26563,7 @@
 </p:sld>
 </file>
 
-<file path=ppt/slides/slide68.xml><?xml version="1.0" encoding="utf-8"?>
+<file path=ppt/slides/slide66.xml><?xml version="1.0" encoding="utf-8"?>
 <p:sld xmlns:a="http://schemas.openxmlformats.org/drawingml/2006/main" xmlns:r="http://schemas.openxmlformats.org/officeDocument/2006/relationships" xmlns:p="http://schemas.openxmlformats.org/presentationml/2006/main">
   <p:cSld>
     <p:spTree>
@@ -27617,7 +27266,7 @@
 </p:sld>
 </file>
 
-<file path=ppt/slides/slide69.xml><?xml version="1.0" encoding="utf-8"?>
+<file path=ppt/slides/slide67.xml><?xml version="1.0" encoding="utf-8"?>
 <p:sld xmlns:a="http://schemas.openxmlformats.org/drawingml/2006/main" xmlns:r="http://schemas.openxmlformats.org/officeDocument/2006/relationships" xmlns:p="http://schemas.openxmlformats.org/presentationml/2006/main">
   <p:cSld>
     <p:spTree>
@@ -28320,224 +27969,7 @@
 </p:sld>
 </file>
 
-<file path=ppt/slides/slide7.xml><?xml version="1.0" encoding="utf-8"?>
-<p:sld xmlns:a="http://schemas.openxmlformats.org/drawingml/2006/main" xmlns:r="http://schemas.openxmlformats.org/officeDocument/2006/relationships" xmlns:p="http://schemas.openxmlformats.org/presentationml/2006/main">
-  <p:cSld>
-    <p:spTree>
-      <p:nvGrpSpPr>
-        <p:cNvPr id="1" name=""/>
-        <p:cNvGrpSpPr/>
-        <p:nvPr/>
-      </p:nvGrpSpPr>
-      <p:grpSpPr>
-        <a:xfrm>
-          <a:off x="0" y="0"/>
-          <a:ext cx="0" cy="0"/>
-          <a:chOff x="0" y="0"/>
-          <a:chExt cx="0" cy="0"/>
-        </a:xfrm>
-      </p:grpSpPr>
-      <p:sp>
-        <p:nvSpPr>
-          <p:cNvPr id="2" name="Content Placeholder 1"/>
-          <p:cNvSpPr>
-            <a:spLocks noGrp="1"/>
-          </p:cNvSpPr>
-          <p:nvPr>
-            <p:ph idx="1"/>
-          </p:nvPr>
-        </p:nvSpPr>
-        <p:spPr>
-          <a:xfrm>
-            <a:off x="533400" y="2057400"/>
-            <a:ext cx="8228013" cy="3990975"/>
-          </a:xfrm>
-        </p:spPr>
-        <p:txBody>
-          <a:bodyPr/>
-          <a:lstStyle/>
-          <a:p>
-            <a:pPr>
-              <a:buClr>
-                <a:srgbClr val="C00000"/>
-              </a:buClr>
-              <a:buFont typeface="Wingdings" panose="05000000000000000000" pitchFamily="2" charset="2"/>
-              <a:buChar char="v"/>
-            </a:pPr>
-            <a:r>
-              <a:rPr lang="en-US" sz="2400" dirty="0"/>
-              <a:t>A résumé </a:t>
-            </a:r>
-            <a:r>
-              <a:rPr lang="en-US" sz="2400" dirty="0" smtClean="0"/>
-              <a:t>to </a:t>
-            </a:r>
-            <a:r>
-              <a:rPr lang="en-US" sz="2400" dirty="0"/>
-              <a:t>job matching system</a:t>
-            </a:r>
-          </a:p>
-          <a:p>
-            <a:pPr>
-              <a:buClr>
-                <a:srgbClr val="C00000"/>
-              </a:buClr>
-              <a:buFont typeface="Wingdings" panose="05000000000000000000" pitchFamily="2" charset="2"/>
-              <a:buChar char="v"/>
-            </a:pPr>
-            <a:r>
-              <a:rPr lang="en-US" altLang="en-US" sz="2400" dirty="0"/>
-              <a:t>Propose </a:t>
-            </a:r>
-            <a:r>
-              <a:rPr lang="en-US" altLang="en-US" sz="2400" dirty="0" smtClean="0"/>
-              <a:t>a</a:t>
-            </a:r>
-            <a:r>
-              <a:rPr lang="en-US" sz="2400" dirty="0" smtClean="0"/>
-              <a:t> </a:t>
-            </a:r>
-            <a:r>
-              <a:rPr lang="en-US" sz="2400" dirty="0"/>
-              <a:t>finite state transducer based tool for information extraction</a:t>
-            </a:r>
-          </a:p>
-          <a:p>
-            <a:pPr>
-              <a:buClr>
-                <a:srgbClr val="C00000"/>
-              </a:buClr>
-              <a:buFont typeface="Wingdings" panose="05000000000000000000" pitchFamily="2" charset="2"/>
-              <a:buChar char="v"/>
-            </a:pPr>
-            <a:r>
-              <a:rPr lang="en-US" altLang="en-US" sz="2400" dirty="0"/>
-              <a:t>Propose </a:t>
-            </a:r>
-            <a:r>
-              <a:rPr lang="en-US" sz="2400" dirty="0" smtClean="0"/>
-              <a:t>a </a:t>
-            </a:r>
-            <a:r>
-              <a:rPr lang="en-US" sz="2400" dirty="0"/>
-              <a:t>semi-automatic approach to collect technical terms</a:t>
-            </a:r>
-          </a:p>
-          <a:p>
-            <a:pPr>
-              <a:buClr>
-                <a:srgbClr val="C00000"/>
-              </a:buClr>
-              <a:buFont typeface="Wingdings" panose="05000000000000000000" pitchFamily="2" charset="2"/>
-              <a:buChar char="v"/>
-            </a:pPr>
-            <a:r>
-              <a:rPr lang="en-US" altLang="en-US" sz="2400" dirty="0"/>
-              <a:t>Propose </a:t>
-            </a:r>
-            <a:r>
-              <a:rPr lang="en-US" sz="2400" dirty="0" smtClean="0"/>
-              <a:t>a </a:t>
-            </a:r>
-            <a:r>
-              <a:rPr lang="en-US" sz="2400" dirty="0"/>
-              <a:t>statistical-based ontology similarity measure</a:t>
-            </a:r>
-          </a:p>
-          <a:p>
-            <a:endParaRPr lang="en-US" dirty="0" smtClean="0"/>
-          </a:p>
-          <a:p>
-            <a:endParaRPr lang="en-US" dirty="0"/>
-          </a:p>
-        </p:txBody>
-      </p:sp>
-      <p:sp>
-        <p:nvSpPr>
-          <p:cNvPr id="3" name="Title 2"/>
-          <p:cNvSpPr>
-            <a:spLocks noGrp="1"/>
-          </p:cNvSpPr>
-          <p:nvPr>
-            <p:ph type="title"/>
-          </p:nvPr>
-        </p:nvSpPr>
-        <p:spPr>
-          <a:xfrm>
-            <a:off x="512164" y="533400"/>
-            <a:ext cx="7343775" cy="994172"/>
-          </a:xfrm>
-        </p:spPr>
-        <p:txBody>
-          <a:bodyPr/>
-          <a:lstStyle/>
-          <a:p>
-            <a:r>
-              <a:rPr lang="en-US" altLang="zh-CN" dirty="0"/>
-              <a:t>Contributions of our works</a:t>
-            </a:r>
-            <a:endParaRPr lang="en-US" dirty="0"/>
-          </a:p>
-        </p:txBody>
-      </p:sp>
-      <p:sp>
-        <p:nvSpPr>
-          <p:cNvPr id="4" name="Rectangle 3"/>
-          <p:cNvSpPr/>
-          <p:nvPr/>
-        </p:nvSpPr>
-        <p:spPr>
-          <a:xfrm>
-            <a:off x="7170816" y="-50850"/>
-            <a:ext cx="1588897" cy="461665"/>
-          </a:xfrm>
-          <a:prstGeom prst="rect">
-            <a:avLst/>
-          </a:prstGeom>
-        </p:spPr>
-        <p:txBody>
-          <a:bodyPr wrap="none">
-            <a:spAutoFit/>
-          </a:bodyPr>
-          <a:lstStyle/>
-          <a:p>
-            <a:r>
-              <a:rPr lang="en-US" altLang="zh-CN" dirty="0"/>
-              <a:t>Motivation</a:t>
-            </a:r>
-            <a:endParaRPr lang="en-US" dirty="0"/>
-          </a:p>
-        </p:txBody>
-      </p:sp>
-    </p:spTree>
-    <p:extLst>
-      <p:ext uri="{BB962C8B-B14F-4D97-AF65-F5344CB8AC3E}">
-        <p14:creationId xmlns:p14="http://schemas.microsoft.com/office/powerpoint/2010/main" val="810325"/>
-      </p:ext>
-    </p:extLst>
-  </p:cSld>
-  <p:clrMapOvr>
-    <a:masterClrMapping/>
-  </p:clrMapOvr>
-  <mc:AlternateContent xmlns:mc="http://schemas.openxmlformats.org/markup-compatibility/2006" xmlns:p14="http://schemas.microsoft.com/office/powerpoint/2010/main">
-    <mc:Choice Requires="p14">
-      <p:transition spd="slow" p14:dur="2000"/>
-    </mc:Choice>
-    <mc:Fallback xmlns="">
-      <p:transition spd="slow"/>
-    </mc:Fallback>
-  </mc:AlternateContent>
-  <p:timing>
-    <p:tnLst>
-      <p:par>
-        <p:cTn id="1" dur="indefinite" restart="never" nodeType="tmRoot"/>
-      </p:par>
-    </p:tnLst>
-  </p:timing>
-</p:sld>
-</file>
-
-<file path=ppt/slides/slide70.xml><?xml version="1.0" encoding="utf-8"?>
+<file path=ppt/slides/slide68.xml><?xml version="1.0" encoding="utf-8"?>
 <p:sld xmlns:a="http://schemas.openxmlformats.org/drawingml/2006/main" xmlns:r="http://schemas.openxmlformats.org/officeDocument/2006/relationships" xmlns:p="http://schemas.openxmlformats.org/presentationml/2006/main">
   <p:cSld>
     <p:spTree>
@@ -28677,7 +28109,7 @@
 </p:sld>
 </file>
 
-<file path=ppt/slides/slide71.xml><?xml version="1.0" encoding="utf-8"?>
+<file path=ppt/slides/slide69.xml><?xml version="1.0" encoding="utf-8"?>
 <p:sld xmlns:a="http://schemas.openxmlformats.org/drawingml/2006/main" xmlns:r="http://schemas.openxmlformats.org/officeDocument/2006/relationships" xmlns:p="http://schemas.openxmlformats.org/presentationml/2006/main">
   <p:cSld>
     <p:spTree>
@@ -29169,7 +28601,224 @@
 </p:sld>
 </file>
 
-<file path=ppt/slides/slide72.xml><?xml version="1.0" encoding="utf-8"?>
+<file path=ppt/slides/slide7.xml><?xml version="1.0" encoding="utf-8"?>
+<p:sld xmlns:a="http://schemas.openxmlformats.org/drawingml/2006/main" xmlns:r="http://schemas.openxmlformats.org/officeDocument/2006/relationships" xmlns:p="http://schemas.openxmlformats.org/presentationml/2006/main">
+  <p:cSld>
+    <p:spTree>
+      <p:nvGrpSpPr>
+        <p:cNvPr id="1" name=""/>
+        <p:cNvGrpSpPr/>
+        <p:nvPr/>
+      </p:nvGrpSpPr>
+      <p:grpSpPr>
+        <a:xfrm>
+          <a:off x="0" y="0"/>
+          <a:ext cx="0" cy="0"/>
+          <a:chOff x="0" y="0"/>
+          <a:chExt cx="0" cy="0"/>
+        </a:xfrm>
+      </p:grpSpPr>
+      <p:sp>
+        <p:nvSpPr>
+          <p:cNvPr id="2" name="Content Placeholder 1"/>
+          <p:cNvSpPr>
+            <a:spLocks noGrp="1"/>
+          </p:cNvSpPr>
+          <p:nvPr>
+            <p:ph idx="1"/>
+          </p:nvPr>
+        </p:nvSpPr>
+        <p:spPr>
+          <a:xfrm>
+            <a:off x="533400" y="2057400"/>
+            <a:ext cx="8228013" cy="3990975"/>
+          </a:xfrm>
+        </p:spPr>
+        <p:txBody>
+          <a:bodyPr/>
+          <a:lstStyle/>
+          <a:p>
+            <a:pPr>
+              <a:buClr>
+                <a:srgbClr val="C00000"/>
+              </a:buClr>
+              <a:buFont typeface="Wingdings" panose="05000000000000000000" pitchFamily="2" charset="2"/>
+              <a:buChar char="v"/>
+            </a:pPr>
+            <a:r>
+              <a:rPr lang="en-US" sz="2400" dirty="0"/>
+              <a:t>A résumé </a:t>
+            </a:r>
+            <a:r>
+              <a:rPr lang="en-US" sz="2400" dirty="0" smtClean="0"/>
+              <a:t>to </a:t>
+            </a:r>
+            <a:r>
+              <a:rPr lang="en-US" sz="2400" dirty="0"/>
+              <a:t>job matching system</a:t>
+            </a:r>
+          </a:p>
+          <a:p>
+            <a:pPr>
+              <a:buClr>
+                <a:srgbClr val="C00000"/>
+              </a:buClr>
+              <a:buFont typeface="Wingdings" panose="05000000000000000000" pitchFamily="2" charset="2"/>
+              <a:buChar char="v"/>
+            </a:pPr>
+            <a:r>
+              <a:rPr lang="en-US" altLang="en-US" sz="2400" dirty="0"/>
+              <a:t>Propose </a:t>
+            </a:r>
+            <a:r>
+              <a:rPr lang="en-US" altLang="en-US" sz="2400" dirty="0" smtClean="0"/>
+              <a:t>a</a:t>
+            </a:r>
+            <a:r>
+              <a:rPr lang="en-US" sz="2400" dirty="0" smtClean="0"/>
+              <a:t> </a:t>
+            </a:r>
+            <a:r>
+              <a:rPr lang="en-US" sz="2400" dirty="0"/>
+              <a:t>finite state transducer based tool for information extraction</a:t>
+            </a:r>
+          </a:p>
+          <a:p>
+            <a:pPr>
+              <a:buClr>
+                <a:srgbClr val="C00000"/>
+              </a:buClr>
+              <a:buFont typeface="Wingdings" panose="05000000000000000000" pitchFamily="2" charset="2"/>
+              <a:buChar char="v"/>
+            </a:pPr>
+            <a:r>
+              <a:rPr lang="en-US" altLang="en-US" sz="2400" dirty="0"/>
+              <a:t>Propose </a:t>
+            </a:r>
+            <a:r>
+              <a:rPr lang="en-US" sz="2400" dirty="0" smtClean="0"/>
+              <a:t>a </a:t>
+            </a:r>
+            <a:r>
+              <a:rPr lang="en-US" sz="2400" dirty="0"/>
+              <a:t>semi-automatic approach to collect technical terms</a:t>
+            </a:r>
+          </a:p>
+          <a:p>
+            <a:pPr>
+              <a:buClr>
+                <a:srgbClr val="C00000"/>
+              </a:buClr>
+              <a:buFont typeface="Wingdings" panose="05000000000000000000" pitchFamily="2" charset="2"/>
+              <a:buChar char="v"/>
+            </a:pPr>
+            <a:r>
+              <a:rPr lang="en-US" altLang="en-US" sz="2400" dirty="0"/>
+              <a:t>Propose </a:t>
+            </a:r>
+            <a:r>
+              <a:rPr lang="en-US" sz="2400" dirty="0" smtClean="0"/>
+              <a:t>a </a:t>
+            </a:r>
+            <a:r>
+              <a:rPr lang="en-US" sz="2400" dirty="0"/>
+              <a:t>statistical-based ontology similarity measure</a:t>
+            </a:r>
+          </a:p>
+          <a:p>
+            <a:endParaRPr lang="en-US" dirty="0" smtClean="0"/>
+          </a:p>
+          <a:p>
+            <a:endParaRPr lang="en-US" dirty="0"/>
+          </a:p>
+        </p:txBody>
+      </p:sp>
+      <p:sp>
+        <p:nvSpPr>
+          <p:cNvPr id="3" name="Title 2"/>
+          <p:cNvSpPr>
+            <a:spLocks noGrp="1"/>
+          </p:cNvSpPr>
+          <p:nvPr>
+            <p:ph type="title"/>
+          </p:nvPr>
+        </p:nvSpPr>
+        <p:spPr>
+          <a:xfrm>
+            <a:off x="512164" y="533400"/>
+            <a:ext cx="7343775" cy="994172"/>
+          </a:xfrm>
+        </p:spPr>
+        <p:txBody>
+          <a:bodyPr/>
+          <a:lstStyle/>
+          <a:p>
+            <a:r>
+              <a:rPr lang="en-US" altLang="zh-CN" dirty="0"/>
+              <a:t>Contributions of our works</a:t>
+            </a:r>
+            <a:endParaRPr lang="en-US" dirty="0"/>
+          </a:p>
+        </p:txBody>
+      </p:sp>
+      <p:sp>
+        <p:nvSpPr>
+          <p:cNvPr id="4" name="Rectangle 3"/>
+          <p:cNvSpPr/>
+          <p:nvPr/>
+        </p:nvSpPr>
+        <p:spPr>
+          <a:xfrm>
+            <a:off x="7170816" y="-50850"/>
+            <a:ext cx="1588897" cy="461665"/>
+          </a:xfrm>
+          <a:prstGeom prst="rect">
+            <a:avLst/>
+          </a:prstGeom>
+        </p:spPr>
+        <p:txBody>
+          <a:bodyPr wrap="none">
+            <a:spAutoFit/>
+          </a:bodyPr>
+          <a:lstStyle/>
+          <a:p>
+            <a:r>
+              <a:rPr lang="en-US" altLang="zh-CN" dirty="0"/>
+              <a:t>Motivation</a:t>
+            </a:r>
+            <a:endParaRPr lang="en-US" dirty="0"/>
+          </a:p>
+        </p:txBody>
+      </p:sp>
+    </p:spTree>
+    <p:extLst>
+      <p:ext uri="{BB962C8B-B14F-4D97-AF65-F5344CB8AC3E}">
+        <p14:creationId xmlns:p14="http://schemas.microsoft.com/office/powerpoint/2010/main" val="810325"/>
+      </p:ext>
+    </p:extLst>
+  </p:cSld>
+  <p:clrMapOvr>
+    <a:masterClrMapping/>
+  </p:clrMapOvr>
+  <mc:AlternateContent xmlns:mc="http://schemas.openxmlformats.org/markup-compatibility/2006" xmlns:p14="http://schemas.microsoft.com/office/powerpoint/2010/main">
+    <mc:Choice Requires="p14">
+      <p:transition spd="slow" p14:dur="2000"/>
+    </mc:Choice>
+    <mc:Fallback xmlns="">
+      <p:transition spd="slow"/>
+    </mc:Fallback>
+  </mc:AlternateContent>
+  <p:timing>
+    <p:tnLst>
+      <p:par>
+        <p:cTn id="1" dur="indefinite" restart="never" nodeType="tmRoot"/>
+      </p:par>
+    </p:tnLst>
+  </p:timing>
+</p:sld>
+</file>
+
+<file path=ppt/slides/slide70.xml><?xml version="1.0" encoding="utf-8"?>
 <p:sld xmlns:a="http://schemas.openxmlformats.org/drawingml/2006/main" xmlns:r="http://schemas.openxmlformats.org/officeDocument/2006/relationships" xmlns:p="http://schemas.openxmlformats.org/presentationml/2006/main">
   <p:cSld>
     <p:spTree>
@@ -29682,7 +29331,7 @@
 </p:sld>
 </file>
 
-<file path=ppt/slides/slide73.xml><?xml version="1.0" encoding="utf-8"?>
+<file path=ppt/slides/slide71.xml><?xml version="1.0" encoding="utf-8"?>
 <p:sld xmlns:a="http://schemas.openxmlformats.org/drawingml/2006/main" xmlns:r="http://schemas.openxmlformats.org/officeDocument/2006/relationships" xmlns:p="http://schemas.openxmlformats.org/presentationml/2006/main">
   <p:cSld>
     <p:spTree>
@@ -31204,7 +30853,7 @@
 </p:sld>
 </file>
 
-<file path=ppt/slides/slide74.xml><?xml version="1.0" encoding="utf-8"?>
+<file path=ppt/slides/slide72.xml><?xml version="1.0" encoding="utf-8"?>
 <p:sld xmlns:a="http://schemas.openxmlformats.org/drawingml/2006/main" xmlns:r="http://schemas.openxmlformats.org/officeDocument/2006/relationships" xmlns:p="http://schemas.openxmlformats.org/presentationml/2006/main">
   <p:cSld>
     <p:spTree>
@@ -32063,7 +31712,7 @@
 </p:sld>
 </file>
 
-<file path=ppt/slides/slide75.xml><?xml version="1.0" encoding="utf-8"?>
+<file path=ppt/slides/slide73.xml><?xml version="1.0" encoding="utf-8"?>
 <p:sld xmlns:a="http://schemas.openxmlformats.org/drawingml/2006/main" xmlns:r="http://schemas.openxmlformats.org/officeDocument/2006/relationships" xmlns:p="http://schemas.openxmlformats.org/presentationml/2006/main">
   <p:cSld>
     <p:spTree>
@@ -34358,7 +34007,7 @@
 </p:sld>
 </file>
 
-<file path=ppt/slides/slide76.xml><?xml version="1.0" encoding="utf-8"?>
+<file path=ppt/slides/slide74.xml><?xml version="1.0" encoding="utf-8"?>
 <p:sld xmlns:a="http://schemas.openxmlformats.org/drawingml/2006/main" xmlns:r="http://schemas.openxmlformats.org/officeDocument/2006/relationships" xmlns:p="http://schemas.openxmlformats.org/presentationml/2006/main">
   <p:cSld>
     <p:spTree>
@@ -34560,7 +34209,7 @@
 </p:sld>
 </file>
 
-<file path=ppt/slides/slide77.xml><?xml version="1.0" encoding="utf-8"?>
+<file path=ppt/slides/slide75.xml><?xml version="1.0" encoding="utf-8"?>
 <p:sld xmlns:a="http://schemas.openxmlformats.org/drawingml/2006/main" xmlns:r="http://schemas.openxmlformats.org/officeDocument/2006/relationships" xmlns:p="http://schemas.openxmlformats.org/presentationml/2006/main">
   <p:cSld>
     <p:spTree>
@@ -35131,7 +34780,7 @@
 </p:sld>
 </file>
 
-<file path=ppt/slides/slide78.xml><?xml version="1.0" encoding="utf-8"?>
+<file path=ppt/slides/slide76.xml><?xml version="1.0" encoding="utf-8"?>
 <p:sld xmlns:a="http://schemas.openxmlformats.org/drawingml/2006/main" xmlns:r="http://schemas.openxmlformats.org/officeDocument/2006/relationships" xmlns:p="http://schemas.openxmlformats.org/presentationml/2006/main">
   <p:cSld>
     <p:spTree>
@@ -35694,7 +35343,7 @@
 </p:sld>
 </file>
 
-<file path=ppt/slides/slide79.xml><?xml version="1.0" encoding="utf-8"?>
+<file path=ppt/slides/slide77.xml><?xml version="1.0" encoding="utf-8"?>
 <p:sld xmlns:a="http://schemas.openxmlformats.org/drawingml/2006/main" xmlns:r="http://schemas.openxmlformats.org/officeDocument/2006/relationships" xmlns:p="http://schemas.openxmlformats.org/presentationml/2006/main">
   <p:cSld>
     <p:spTree>
@@ -35900,288 +35549,7 @@
 </p:sld>
 </file>
 
-<file path=ppt/slides/slide8.xml><?xml version="1.0" encoding="utf-8"?>
-<p:sld xmlns:a="http://schemas.openxmlformats.org/drawingml/2006/main" xmlns:r="http://schemas.openxmlformats.org/officeDocument/2006/relationships" xmlns:p="http://schemas.openxmlformats.org/presentationml/2006/main">
-  <p:cSld>
-    <p:spTree>
-      <p:nvGrpSpPr>
-        <p:cNvPr id="1" name=""/>
-        <p:cNvGrpSpPr/>
-        <p:nvPr/>
-      </p:nvGrpSpPr>
-      <p:grpSpPr>
-        <a:xfrm>
-          <a:off x="0" y="0"/>
-          <a:ext cx="0" cy="0"/>
-          <a:chOff x="0" y="0"/>
-          <a:chExt cx="0" cy="0"/>
-        </a:xfrm>
-      </p:grpSpPr>
-      <p:sp>
-        <p:nvSpPr>
-          <p:cNvPr id="3" name="Title 2"/>
-          <p:cNvSpPr>
-            <a:spLocks noGrp="1"/>
-          </p:cNvSpPr>
-          <p:nvPr>
-            <p:ph type="title"/>
-          </p:nvPr>
-        </p:nvSpPr>
-        <p:spPr/>
-        <p:txBody>
-          <a:bodyPr/>
-          <a:lstStyle/>
-          <a:p>
-            <a:r>
-              <a:rPr lang="en-US" dirty="0">
-                <a:solidFill>
-                  <a:schemeClr val="tx1"/>
-                </a:solidFill>
-              </a:rPr>
-              <a:t>Table of Contents</a:t>
-            </a:r>
-            <a:endParaRPr lang="en-US" dirty="0"/>
-          </a:p>
-        </p:txBody>
-      </p:sp>
-      <p:sp>
-        <p:nvSpPr>
-          <p:cNvPr id="4" name="Rectangle 3"/>
-          <p:cNvSpPr/>
-          <p:nvPr/>
-        </p:nvSpPr>
-        <p:spPr>
-          <a:xfrm>
-            <a:off x="1143000" y="1752600"/>
-            <a:ext cx="7239000" cy="4524315"/>
-          </a:xfrm>
-          <a:prstGeom prst="rect">
-            <a:avLst/>
-          </a:prstGeom>
-        </p:spPr>
-        <p:txBody>
-          <a:bodyPr wrap="square">
-            <a:spAutoFit/>
-          </a:bodyPr>
-          <a:lstStyle/>
-          <a:p>
-            <a:pPr marL="514350" indent="-514350">
-              <a:buClr>
-                <a:srgbClr val="C00000"/>
-              </a:buClr>
-              <a:buFont typeface="+mj-lt"/>
-              <a:buAutoNum type="arabicPeriod"/>
-            </a:pPr>
-            <a:r>
-              <a:rPr lang="en-US" sz="3200" b="1" dirty="0" smtClean="0">
-                <a:solidFill>
-                  <a:schemeClr val="tx1"/>
-                </a:solidFill>
-              </a:rPr>
-              <a:t>Motivation</a:t>
-            </a:r>
-          </a:p>
-          <a:p>
-            <a:pPr marL="514350" indent="-514350">
-              <a:buClr>
-                <a:srgbClr val="C00000"/>
-              </a:buClr>
-              <a:buFont typeface="+mj-lt"/>
-              <a:buAutoNum type="arabicPeriod"/>
-            </a:pPr>
-            <a:r>
-              <a:rPr lang="en-US" altLang="zh-CN" sz="3200" b="1" dirty="0" smtClean="0">
-                <a:solidFill>
-                  <a:srgbClr val="FF0000"/>
-                </a:solidFill>
-              </a:rPr>
-              <a:t>Related </a:t>
-            </a:r>
-            <a:r>
-              <a:rPr lang="en-US" sz="3200" b="1" dirty="0" smtClean="0">
-                <a:solidFill>
-                  <a:srgbClr val="FF0000"/>
-                </a:solidFill>
-              </a:rPr>
-              <a:t>Work</a:t>
-            </a:r>
-          </a:p>
-          <a:p>
-            <a:pPr marL="514350" indent="-514350">
-              <a:buClr>
-                <a:srgbClr val="C00000"/>
-              </a:buClr>
-              <a:buFont typeface="+mj-lt"/>
-              <a:buAutoNum type="arabicPeriod"/>
-            </a:pPr>
-            <a:r>
-              <a:rPr lang="en-US" altLang="zh-CN" sz="3200" b="1" dirty="0" smtClean="0">
-                <a:solidFill>
-                  <a:schemeClr val="tx1"/>
-                </a:solidFill>
-              </a:rPr>
-              <a:t>Problem </a:t>
-            </a:r>
-            <a:r>
-              <a:rPr lang="en-US" sz="3200" b="1" dirty="0" smtClean="0">
-                <a:solidFill>
-                  <a:schemeClr val="tx1"/>
-                </a:solidFill>
-              </a:rPr>
-              <a:t>Definition</a:t>
-            </a:r>
-          </a:p>
-          <a:p>
-            <a:pPr marL="514350" indent="-514350">
-              <a:buClr>
-                <a:srgbClr val="C00000"/>
-              </a:buClr>
-              <a:buFont typeface="+mj-lt"/>
-              <a:buAutoNum type="arabicPeriod"/>
-            </a:pPr>
-            <a:r>
-              <a:rPr lang="en-US" sz="3200" b="1" dirty="0" smtClean="0">
-                <a:solidFill>
-                  <a:schemeClr val="tx1"/>
-                </a:solidFill>
-              </a:rPr>
-              <a:t>System Overview</a:t>
-            </a:r>
-          </a:p>
-          <a:p>
-            <a:pPr marL="514350" indent="-514350">
-              <a:buClr>
-                <a:srgbClr val="C00000"/>
-              </a:buClr>
-              <a:buFont typeface="+mj-lt"/>
-              <a:buAutoNum type="arabicPeriod"/>
-            </a:pPr>
-            <a:r>
-              <a:rPr lang="en-US" sz="3200" b="1" dirty="0" smtClean="0">
-                <a:solidFill>
-                  <a:schemeClr val="tx1"/>
-                </a:solidFill>
-              </a:rPr>
-              <a:t>Information Extraction</a:t>
-            </a:r>
-          </a:p>
-          <a:p>
-            <a:pPr marL="514350" indent="-514350">
-              <a:buClr>
-                <a:srgbClr val="C00000"/>
-              </a:buClr>
-              <a:buFont typeface="+mj-lt"/>
-              <a:buAutoNum type="arabicPeriod"/>
-            </a:pPr>
-            <a:r>
-              <a:rPr lang="en-US" sz="3200" b="1" dirty="0" smtClean="0">
-                <a:solidFill>
-                  <a:schemeClr val="tx1"/>
-                </a:solidFill>
-              </a:rPr>
-              <a:t>Ontology Similarity</a:t>
-            </a:r>
-          </a:p>
-          <a:p>
-            <a:pPr marL="514350" indent="-514350">
-              <a:buClr>
-                <a:srgbClr val="C00000"/>
-              </a:buClr>
-              <a:buFont typeface="+mj-lt"/>
-              <a:buAutoNum type="arabicPeriod"/>
-            </a:pPr>
-            <a:r>
-              <a:rPr lang="en-US" sz="3200" b="1" dirty="0">
-                <a:solidFill>
-                  <a:schemeClr val="tx1"/>
-                </a:solidFill>
-              </a:rPr>
-              <a:t>Ontology </a:t>
-            </a:r>
-            <a:r>
-              <a:rPr lang="en-US" sz="3200" b="1" dirty="0" smtClean="0">
-                <a:solidFill>
-                  <a:schemeClr val="tx1"/>
-                </a:solidFill>
-              </a:rPr>
-              <a:t>Construction</a:t>
-            </a:r>
-          </a:p>
-          <a:p>
-            <a:pPr marL="514350" indent="-514350">
-              <a:buClr>
-                <a:srgbClr val="C00000"/>
-              </a:buClr>
-              <a:buFont typeface="+mj-lt"/>
-              <a:buAutoNum type="arabicPeriod"/>
-            </a:pPr>
-            <a:r>
-              <a:rPr lang="en-US" sz="3200" b="1" dirty="0">
-                <a:solidFill>
-                  <a:schemeClr val="tx1"/>
-                </a:solidFill>
-              </a:rPr>
-              <a:t>Model Similarity</a:t>
-            </a:r>
-            <a:endParaRPr lang="en-US" sz="3200" b="1" dirty="0" smtClean="0">
-              <a:solidFill>
-                <a:schemeClr val="tx1"/>
-              </a:solidFill>
-            </a:endParaRPr>
-          </a:p>
-          <a:p>
-            <a:pPr marL="514350" indent="-514350">
-              <a:buClr>
-                <a:srgbClr val="C00000"/>
-              </a:buClr>
-              <a:buFont typeface="+mj-lt"/>
-              <a:buAutoNum type="arabicPeriod"/>
-            </a:pPr>
-            <a:r>
-              <a:rPr lang="en-US" sz="3200" b="1" dirty="0" smtClean="0">
-                <a:solidFill>
-                  <a:schemeClr val="tx1"/>
-                </a:solidFill>
-              </a:rPr>
-              <a:t>E</a:t>
-            </a:r>
-            <a:r>
-              <a:rPr lang="en-US" altLang="zh-CN" sz="3200" b="1" dirty="0" smtClean="0">
-                <a:solidFill>
-                  <a:schemeClr val="tx1"/>
-                </a:solidFill>
-              </a:rPr>
-              <a:t>valuation </a:t>
-            </a:r>
-            <a:endParaRPr lang="en-US" sz="3200" b="1" dirty="0">
-              <a:solidFill>
-                <a:schemeClr val="tx1"/>
-              </a:solidFill>
-            </a:endParaRPr>
-          </a:p>
-        </p:txBody>
-      </p:sp>
-    </p:spTree>
-    <p:extLst>
-      <p:ext uri="{BB962C8B-B14F-4D97-AF65-F5344CB8AC3E}">
-        <p14:creationId xmlns:p14="http://schemas.microsoft.com/office/powerpoint/2010/main" val="2263553962"/>
-      </p:ext>
-    </p:extLst>
-  </p:cSld>
-  <p:clrMapOvr>
-    <a:masterClrMapping/>
-  </p:clrMapOvr>
-  <p:timing>
-    <p:tnLst>
-      <p:par>
-        <p:cTn id="1" dur="indefinite" restart="never" nodeType="tmRoot"/>
-      </p:par>
-    </p:tnLst>
-  </p:timing>
-</p:sld>
-</file>
-
-<file path=ppt/slides/slide80.xml><?xml version="1.0" encoding="utf-8"?>
+<file path=ppt/slides/slide78.xml><?xml version="1.0" encoding="utf-8"?>
 <p:sld xmlns:a="http://schemas.openxmlformats.org/drawingml/2006/main" xmlns:r="http://schemas.openxmlformats.org/officeDocument/2006/relationships" xmlns:p="http://schemas.openxmlformats.org/presentationml/2006/main">
   <p:cSld>
     <p:spTree>
@@ -36240,7 +35608,7 @@
             <p:ph idx="1"/>
             <p:extLst>
               <p:ext uri="{D42A27DB-BD31-4B8C-83A1-F6EECF244321}">
-                <p14:modId xmlns:p14="http://schemas.microsoft.com/office/powerpoint/2010/main" val="125512338"/>
+                <p14:modId xmlns:p14="http://schemas.microsoft.com/office/powerpoint/2010/main" val="1686226425"/>
               </p:ext>
             </p:extLst>
           </p:nvPr>
@@ -36537,7 +35905,7 @@
                     <a:p>
                       <a:r>
                         <a:rPr lang="en-US" altLang="zh-CN" sz="2000" b="0" dirty="0" smtClean="0"/>
-                        <a:t>0.7</a:t>
+                        <a:t>0.73</a:t>
                       </a:r>
                       <a:endParaRPr lang="en-US" sz="2000" b="0" dirty="0"/>
                     </a:p>
@@ -36555,7 +35923,7 @@
                             <a:srgbClr val="FF0000"/>
                           </a:solidFill>
                         </a:rPr>
-                        <a:t>1</a:t>
+                        <a:t>1.00</a:t>
                       </a:r>
                       <a:endParaRPr lang="en-US" sz="2000" b="0" dirty="0">
                         <a:solidFill>
@@ -36591,7 +35959,7 @@
                             <a:srgbClr val="FF0000"/>
                           </a:solidFill>
                         </a:rPr>
-                        <a:t>27.785</a:t>
+                        <a:t>27.80</a:t>
                       </a:r>
                       <a:endParaRPr lang="en-US" sz="2000" b="0" dirty="0">
                         <a:solidFill>
@@ -36713,7 +36081,7 @@
                     <a:p>
                       <a:r>
                         <a:rPr lang="en-US" altLang="zh-CN" sz="2000" b="0" dirty="0" smtClean="0"/>
-                        <a:t>0.7</a:t>
+                        <a:t>0.72</a:t>
                       </a:r>
                       <a:endParaRPr lang="en-US" sz="2000" b="0" dirty="0"/>
                     </a:p>
@@ -36731,7 +36099,7 @@
                             <a:srgbClr val="FF0000"/>
                           </a:solidFill>
                         </a:rPr>
-                        <a:t>0.825</a:t>
+                        <a:t>0.83</a:t>
                       </a:r>
                       <a:endParaRPr lang="en-US" sz="2000" b="0" dirty="0">
                         <a:solidFill>
@@ -36902,7 +36270,7 @@
 </p:sld>
 </file>
 
-<file path=ppt/slides/slide81.xml><?xml version="1.0" encoding="utf-8"?>
+<file path=ppt/slides/slide79.xml><?xml version="1.0" encoding="utf-8"?>
 <p:sld xmlns:a="http://schemas.openxmlformats.org/drawingml/2006/main" xmlns:r="http://schemas.openxmlformats.org/officeDocument/2006/relationships" xmlns:p="http://schemas.openxmlformats.org/presentationml/2006/main">
   <p:cSld>
     <p:spTree>
@@ -36961,7 +36329,7 @@
             <p:ph idx="1"/>
             <p:extLst>
               <p:ext uri="{D42A27DB-BD31-4B8C-83A1-F6EECF244321}">
-                <p14:modId xmlns:p14="http://schemas.microsoft.com/office/powerpoint/2010/main" val="3870914961"/>
+                <p14:modId xmlns:p14="http://schemas.microsoft.com/office/powerpoint/2010/main" val="1022351127"/>
               </p:ext>
             </p:extLst>
           </p:nvPr>
@@ -37266,7 +36634,7 @@
                           <a:ea typeface="+mn-ea"/>
                           <a:cs typeface="+mn-cs"/>
                         </a:rPr>
-                        <a:t>0.4</a:t>
+                        <a:t>0.45</a:t>
                       </a:r>
                       <a:endParaRPr lang="en-US" sz="2000" b="0" kern="1200" dirty="0">
                         <a:solidFill>
@@ -37295,7 +36663,7 @@
                           <a:ea typeface="+mn-ea"/>
                           <a:cs typeface="+mn-cs"/>
                         </a:rPr>
-                        <a:t>0.6</a:t>
+                        <a:t>0.63</a:t>
                       </a:r>
                       <a:endParaRPr lang="en-US" sz="2000" b="0" kern="1200" dirty="0">
                         <a:solidFill>
@@ -37398,7 +36766,7 @@
                           <a:ea typeface="+mn-ea"/>
                           <a:cs typeface="+mn-cs"/>
                         </a:rPr>
-                        <a:t>0.3</a:t>
+                        <a:t>0.32</a:t>
                       </a:r>
                       <a:endParaRPr lang="en-US" sz="2000" b="0" kern="1200" dirty="0">
                         <a:solidFill>
@@ -37427,7 +36795,7 @@
                           <a:ea typeface="+mn-ea"/>
                           <a:cs typeface="+mn-cs"/>
                         </a:rPr>
-                        <a:t>0.6</a:t>
+                        <a:t>0.62</a:t>
                       </a:r>
                       <a:endParaRPr lang="en-US" sz="2000" b="0" kern="1200" dirty="0">
                         <a:solidFill>
@@ -37530,7 +36898,7 @@
                           <a:ea typeface="+mn-ea"/>
                           <a:cs typeface="+mn-cs"/>
                         </a:rPr>
-                        <a:t>0.2</a:t>
+                        <a:t>0.22</a:t>
                       </a:r>
                       <a:endParaRPr lang="en-US" sz="2000" b="0" kern="1200" dirty="0">
                         <a:solidFill>
@@ -37559,7 +36927,7 @@
                           <a:ea typeface="+mn-ea"/>
                           <a:cs typeface="+mn-cs"/>
                         </a:rPr>
-                        <a:t>0.4</a:t>
+                        <a:t>0.42</a:t>
                       </a:r>
                       <a:endParaRPr lang="en-US" sz="2000" b="0" kern="1200" dirty="0">
                         <a:solidFill>
@@ -37755,7 +37123,288 @@
 </p:sld>
 </file>
 
-<file path=ppt/slides/slide82.xml><?xml version="1.0" encoding="utf-8"?>
+<file path=ppt/slides/slide8.xml><?xml version="1.0" encoding="utf-8"?>
+<p:sld xmlns:a="http://schemas.openxmlformats.org/drawingml/2006/main" xmlns:r="http://schemas.openxmlformats.org/officeDocument/2006/relationships" xmlns:p="http://schemas.openxmlformats.org/presentationml/2006/main">
+  <p:cSld>
+    <p:spTree>
+      <p:nvGrpSpPr>
+        <p:cNvPr id="1" name=""/>
+        <p:cNvGrpSpPr/>
+        <p:nvPr/>
+      </p:nvGrpSpPr>
+      <p:grpSpPr>
+        <a:xfrm>
+          <a:off x="0" y="0"/>
+          <a:ext cx="0" cy="0"/>
+          <a:chOff x="0" y="0"/>
+          <a:chExt cx="0" cy="0"/>
+        </a:xfrm>
+      </p:grpSpPr>
+      <p:sp>
+        <p:nvSpPr>
+          <p:cNvPr id="3" name="Title 2"/>
+          <p:cNvSpPr>
+            <a:spLocks noGrp="1"/>
+          </p:cNvSpPr>
+          <p:nvPr>
+            <p:ph type="title"/>
+          </p:nvPr>
+        </p:nvSpPr>
+        <p:spPr/>
+        <p:txBody>
+          <a:bodyPr/>
+          <a:lstStyle/>
+          <a:p>
+            <a:r>
+              <a:rPr lang="en-US" dirty="0">
+                <a:solidFill>
+                  <a:schemeClr val="tx1"/>
+                </a:solidFill>
+              </a:rPr>
+              <a:t>Table of Contents</a:t>
+            </a:r>
+            <a:endParaRPr lang="en-US" dirty="0"/>
+          </a:p>
+        </p:txBody>
+      </p:sp>
+      <p:sp>
+        <p:nvSpPr>
+          <p:cNvPr id="4" name="Rectangle 3"/>
+          <p:cNvSpPr/>
+          <p:nvPr/>
+        </p:nvSpPr>
+        <p:spPr>
+          <a:xfrm>
+            <a:off x="1143000" y="1752600"/>
+            <a:ext cx="7239000" cy="4524315"/>
+          </a:xfrm>
+          <a:prstGeom prst="rect">
+            <a:avLst/>
+          </a:prstGeom>
+        </p:spPr>
+        <p:txBody>
+          <a:bodyPr wrap="square">
+            <a:spAutoFit/>
+          </a:bodyPr>
+          <a:lstStyle/>
+          <a:p>
+            <a:pPr marL="514350" indent="-514350">
+              <a:buClr>
+                <a:srgbClr val="C00000"/>
+              </a:buClr>
+              <a:buFont typeface="+mj-lt"/>
+              <a:buAutoNum type="arabicPeriod"/>
+            </a:pPr>
+            <a:r>
+              <a:rPr lang="en-US" sz="3200" b="1" dirty="0" smtClean="0">
+                <a:solidFill>
+                  <a:schemeClr val="tx1"/>
+                </a:solidFill>
+              </a:rPr>
+              <a:t>Motivation</a:t>
+            </a:r>
+          </a:p>
+          <a:p>
+            <a:pPr marL="514350" indent="-514350">
+              <a:buClr>
+                <a:srgbClr val="C00000"/>
+              </a:buClr>
+              <a:buFont typeface="+mj-lt"/>
+              <a:buAutoNum type="arabicPeriod"/>
+            </a:pPr>
+            <a:r>
+              <a:rPr lang="en-US" altLang="zh-CN" sz="3200" b="1" dirty="0" smtClean="0">
+                <a:solidFill>
+                  <a:srgbClr val="FF0000"/>
+                </a:solidFill>
+              </a:rPr>
+              <a:t>Related </a:t>
+            </a:r>
+            <a:r>
+              <a:rPr lang="en-US" sz="3200" b="1" dirty="0" smtClean="0">
+                <a:solidFill>
+                  <a:srgbClr val="FF0000"/>
+                </a:solidFill>
+              </a:rPr>
+              <a:t>Work</a:t>
+            </a:r>
+          </a:p>
+          <a:p>
+            <a:pPr marL="514350" indent="-514350">
+              <a:buClr>
+                <a:srgbClr val="C00000"/>
+              </a:buClr>
+              <a:buFont typeface="+mj-lt"/>
+              <a:buAutoNum type="arabicPeriod"/>
+            </a:pPr>
+            <a:r>
+              <a:rPr lang="en-US" altLang="zh-CN" sz="3200" b="1" dirty="0" smtClean="0">
+                <a:solidFill>
+                  <a:schemeClr val="tx1"/>
+                </a:solidFill>
+              </a:rPr>
+              <a:t>Problem </a:t>
+            </a:r>
+            <a:r>
+              <a:rPr lang="en-US" sz="3200" b="1" dirty="0" smtClean="0">
+                <a:solidFill>
+                  <a:schemeClr val="tx1"/>
+                </a:solidFill>
+              </a:rPr>
+              <a:t>Definition</a:t>
+            </a:r>
+          </a:p>
+          <a:p>
+            <a:pPr marL="514350" indent="-514350">
+              <a:buClr>
+                <a:srgbClr val="C00000"/>
+              </a:buClr>
+              <a:buFont typeface="+mj-lt"/>
+              <a:buAutoNum type="arabicPeriod"/>
+            </a:pPr>
+            <a:r>
+              <a:rPr lang="en-US" sz="3200" b="1" dirty="0" smtClean="0">
+                <a:solidFill>
+                  <a:schemeClr val="tx1"/>
+                </a:solidFill>
+              </a:rPr>
+              <a:t>System Overview</a:t>
+            </a:r>
+          </a:p>
+          <a:p>
+            <a:pPr marL="514350" indent="-514350">
+              <a:buClr>
+                <a:srgbClr val="C00000"/>
+              </a:buClr>
+              <a:buFont typeface="+mj-lt"/>
+              <a:buAutoNum type="arabicPeriod"/>
+            </a:pPr>
+            <a:r>
+              <a:rPr lang="en-US" sz="3200" b="1" dirty="0" smtClean="0">
+                <a:solidFill>
+                  <a:schemeClr val="tx1"/>
+                </a:solidFill>
+              </a:rPr>
+              <a:t>Information Extraction</a:t>
+            </a:r>
+          </a:p>
+          <a:p>
+            <a:pPr marL="514350" indent="-514350">
+              <a:buClr>
+                <a:srgbClr val="C00000"/>
+              </a:buClr>
+              <a:buFont typeface="+mj-lt"/>
+              <a:buAutoNum type="arabicPeriod"/>
+            </a:pPr>
+            <a:r>
+              <a:rPr lang="en-US" sz="3200" b="1" dirty="0" smtClean="0">
+                <a:solidFill>
+                  <a:schemeClr val="tx1"/>
+                </a:solidFill>
+              </a:rPr>
+              <a:t>Ontology Similarity</a:t>
+            </a:r>
+          </a:p>
+          <a:p>
+            <a:pPr marL="514350" indent="-514350">
+              <a:buClr>
+                <a:srgbClr val="C00000"/>
+              </a:buClr>
+              <a:buFont typeface="+mj-lt"/>
+              <a:buAutoNum type="arabicPeriod"/>
+            </a:pPr>
+            <a:r>
+              <a:rPr lang="en-US" sz="3200" b="1" dirty="0">
+                <a:solidFill>
+                  <a:schemeClr val="tx1"/>
+                </a:solidFill>
+              </a:rPr>
+              <a:t>Ontology </a:t>
+            </a:r>
+            <a:r>
+              <a:rPr lang="en-US" sz="3200" b="1" dirty="0" smtClean="0">
+                <a:solidFill>
+                  <a:schemeClr val="tx1"/>
+                </a:solidFill>
+              </a:rPr>
+              <a:t>Construction</a:t>
+            </a:r>
+          </a:p>
+          <a:p>
+            <a:pPr marL="514350" indent="-514350">
+              <a:buClr>
+                <a:srgbClr val="C00000"/>
+              </a:buClr>
+              <a:buFont typeface="+mj-lt"/>
+              <a:buAutoNum type="arabicPeriod"/>
+            </a:pPr>
+            <a:r>
+              <a:rPr lang="en-US" sz="3200" b="1" dirty="0">
+                <a:solidFill>
+                  <a:schemeClr val="tx1"/>
+                </a:solidFill>
+              </a:rPr>
+              <a:t>Model Similarity</a:t>
+            </a:r>
+            <a:endParaRPr lang="en-US" sz="3200" b="1" dirty="0" smtClean="0">
+              <a:solidFill>
+                <a:schemeClr val="tx1"/>
+              </a:solidFill>
+            </a:endParaRPr>
+          </a:p>
+          <a:p>
+            <a:pPr marL="514350" indent="-514350">
+              <a:buClr>
+                <a:srgbClr val="C00000"/>
+              </a:buClr>
+              <a:buFont typeface="+mj-lt"/>
+              <a:buAutoNum type="arabicPeriod"/>
+            </a:pPr>
+            <a:r>
+              <a:rPr lang="en-US" sz="3200" b="1" dirty="0" smtClean="0">
+                <a:solidFill>
+                  <a:schemeClr val="tx1"/>
+                </a:solidFill>
+              </a:rPr>
+              <a:t>E</a:t>
+            </a:r>
+            <a:r>
+              <a:rPr lang="en-US" altLang="zh-CN" sz="3200" b="1" dirty="0" smtClean="0">
+                <a:solidFill>
+                  <a:schemeClr val="tx1"/>
+                </a:solidFill>
+              </a:rPr>
+              <a:t>valuation </a:t>
+            </a:r>
+            <a:endParaRPr lang="en-US" sz="3200" b="1" dirty="0">
+              <a:solidFill>
+                <a:schemeClr val="tx1"/>
+              </a:solidFill>
+            </a:endParaRPr>
+          </a:p>
+        </p:txBody>
+      </p:sp>
+    </p:spTree>
+    <p:extLst>
+      <p:ext uri="{BB962C8B-B14F-4D97-AF65-F5344CB8AC3E}">
+        <p14:creationId xmlns:p14="http://schemas.microsoft.com/office/powerpoint/2010/main" val="2263553962"/>
+      </p:ext>
+    </p:extLst>
+  </p:cSld>
+  <p:clrMapOvr>
+    <a:masterClrMapping/>
+  </p:clrMapOvr>
+  <p:timing>
+    <p:tnLst>
+      <p:par>
+        <p:cTn id="1" dur="indefinite" restart="never" nodeType="tmRoot"/>
+      </p:par>
+    </p:tnLst>
+  </p:timing>
+</p:sld>
+</file>
+
+<file path=ppt/slides/slide80.xml><?xml version="1.0" encoding="utf-8"?>
 <p:sld xmlns:a="http://schemas.openxmlformats.org/drawingml/2006/main" xmlns:r="http://schemas.openxmlformats.org/officeDocument/2006/relationships" xmlns:p="http://schemas.openxmlformats.org/presentationml/2006/main">
   <p:cSld>
     <p:spTree>
@@ -37814,7 +37463,7 @@
             <p:ph idx="1"/>
             <p:extLst>
               <p:ext uri="{D42A27DB-BD31-4B8C-83A1-F6EECF244321}">
-                <p14:modId xmlns:p14="http://schemas.microsoft.com/office/powerpoint/2010/main" val="2954430821"/>
+                <p14:modId xmlns:p14="http://schemas.microsoft.com/office/powerpoint/2010/main" val="3803646865"/>
               </p:ext>
             </p:extLst>
           </p:nvPr>
@@ -38391,7 +38040,7 @@
                           <a:ea typeface="+mn-ea"/>
                           <a:cs typeface="+mn-cs"/>
                         </a:rPr>
-                        <a:t>0.645</a:t>
+                        <a:t>0.65</a:t>
                       </a:r>
                       <a:endParaRPr lang="en-US" sz="2000" b="0" kern="1200" dirty="0">
                         <a:solidFill>
@@ -38420,7 +38069,7 @@
                           <a:ea typeface="+mn-ea"/>
                           <a:cs typeface="+mn-cs"/>
                         </a:rPr>
-                        <a:t>0.768</a:t>
+                        <a:t>0.76</a:t>
                       </a:r>
                       <a:endParaRPr lang="en-US" sz="2000" b="0" kern="1200" dirty="0">
                         <a:solidFill>
@@ -38618,7 +38267,7 @@
 </p:sld>
 </file>
 
-<file path=ppt/slides/slide83.xml><?xml version="1.0" encoding="utf-8"?>
+<file path=ppt/slides/slide81.xml><?xml version="1.0" encoding="utf-8"?>
 <p:sld xmlns:a="http://schemas.openxmlformats.org/drawingml/2006/main" xmlns:r="http://schemas.openxmlformats.org/officeDocument/2006/relationships" xmlns:p="http://schemas.openxmlformats.org/presentationml/2006/main">
   <p:cSld>
     <p:spTree>
@@ -38806,7 +38455,7 @@
 </p:sld>
 </file>
 
-<file path=ppt/slides/slide84.xml><?xml version="1.0" encoding="utf-8"?>
+<file path=ppt/slides/slide82.xml><?xml version="1.0" encoding="utf-8"?>
 <p:sld xmlns:a="http://schemas.openxmlformats.org/drawingml/2006/main" xmlns:r="http://schemas.openxmlformats.org/officeDocument/2006/relationships" xmlns:p="http://schemas.openxmlformats.org/presentationml/2006/main">
   <p:cSld>
     <p:spTree>
@@ -39028,7 +38677,7 @@
 </p:sld>
 </file>
 
-<file path=ppt/slides/slide85.xml><?xml version="1.0" encoding="utf-8"?>
+<file path=ppt/slides/slide83.xml><?xml version="1.0" encoding="utf-8"?>
 <p:sld xmlns:a="http://schemas.openxmlformats.org/drawingml/2006/main" xmlns:r="http://schemas.openxmlformats.org/officeDocument/2006/relationships" xmlns:p="http://schemas.openxmlformats.org/presentationml/2006/main">
   <p:cSld>
     <p:spTree>
@@ -39788,7 +39437,7 @@
 </p:sld>
 </file>
 
-<file path=ppt/slides/slide86.xml><?xml version="1.0" encoding="utf-8"?>
+<file path=ppt/slides/slide84.xml><?xml version="1.0" encoding="utf-8"?>
 <p:sld xmlns:a="http://schemas.openxmlformats.org/drawingml/2006/main" xmlns:r="http://schemas.openxmlformats.org/officeDocument/2006/relationships" xmlns:p="http://schemas.openxmlformats.org/presentationml/2006/main">
   <p:cSld>
     <p:spTree>
@@ -40719,7 +40368,7 @@
 </p:sld>
 </file>
 
-<file path=ppt/slides/slide87.xml><?xml version="1.0" encoding="utf-8"?>
+<file path=ppt/slides/slide85.xml><?xml version="1.0" encoding="utf-8"?>
 <p:sld xmlns:a="http://schemas.openxmlformats.org/drawingml/2006/main" xmlns:r="http://schemas.openxmlformats.org/officeDocument/2006/relationships" xmlns:p="http://schemas.openxmlformats.org/presentationml/2006/main">
   <p:cSld>
     <p:spTree>
